--- a/4th_credit/shyam.pptx
+++ b/4th_credit/shyam.pptx
@@ -5,7 +5,7 @@
     <p:sldMasterId id="2147483648" r:id="rId1"/>
   </p:sldMasterIdLst>
   <p:notesMasterIdLst>
-    <p:notesMasterId r:id="rId13"/>
+    <p:notesMasterId r:id="rId10"/>
   </p:notesMasterIdLst>
   <p:sldIdLst>
     <p:sldId id="256" r:id="rId2"/>
@@ -13,12 +13,9 @@
     <p:sldId id="262" r:id="rId4"/>
     <p:sldId id="263" r:id="rId5"/>
     <p:sldId id="267" r:id="rId6"/>
-    <p:sldId id="268" r:id="rId7"/>
-    <p:sldId id="269" r:id="rId8"/>
-    <p:sldId id="270" r:id="rId9"/>
-    <p:sldId id="271" r:id="rId10"/>
-    <p:sldId id="274" r:id="rId11"/>
-    <p:sldId id="258" r:id="rId12"/>
+    <p:sldId id="271" r:id="rId7"/>
+    <p:sldId id="274" r:id="rId8"/>
+    <p:sldId id="258" r:id="rId9"/>
   </p:sldIdLst>
   <p:sldSz cx="9144000" cy="6858000" type="screen4x3"/>
   <p:notesSz cx="6858000" cy="9144000"/>
@@ -717,7 +714,7 @@
             <a:fld id="{CA18FE8F-F3F8-344C-AE95-922A8D9DBAE6}" type="slidenum">
               <a:rPr lang="en-GB"/>
               <a:pPr/>
-              <a:t>9</a:t>
+              <a:t>6</a:t>
             </a:fld>
             <a:endParaRPr lang="en-GB"/>
           </a:p>
@@ -727,7 +724,7 @@
         <p:nvSpPr>
           <p:cNvPr id="406530" name="Rectangle 2"/>
           <p:cNvSpPr>
-            <a:spLocks noChangeArrowheads="1" noTextEdit="1"/>
+            <a:spLocks noGrp="1" noRot="1" noChangeAspect="1" noChangeArrowheads="1" noTextEdit="1"/>
           </p:cNvSpPr>
           <p:nvPr>
             <p:ph type="sldImg"/>
@@ -804,7 +801,7 @@
             <a:fld id="{765C45FD-DEEF-1F46-B0C3-E55AB7241905}" type="slidenum">
               <a:rPr lang="en-GB"/>
               <a:pPr/>
-              <a:t>10</a:t>
+              <a:t>7</a:t>
             </a:fld>
             <a:endParaRPr lang="en-GB"/>
           </a:p>
@@ -814,7 +811,7 @@
         <p:nvSpPr>
           <p:cNvPr id="420866" name="Rectangle 2"/>
           <p:cNvSpPr>
-            <a:spLocks noChangeArrowheads="1" noTextEdit="1"/>
+            <a:spLocks noGrp="1" noRot="1" noChangeAspect="1" noChangeArrowheads="1" noTextEdit="1"/>
           </p:cNvSpPr>
           <p:nvPr>
             <p:ph type="sldImg"/>
@@ -845,6 +842,37 @@
             </a:ext>
           </a:extLst>
         </p:spPr>
+      </p:sp>
+      <p:sp>
+        <p:nvSpPr>
+          <p:cNvPr id="2" name="Notes Placeholder 1"/>
+          <p:cNvSpPr>
+            <a:spLocks noGrp="1"/>
+          </p:cNvSpPr>
+          <p:nvPr>
+            <p:ph type="body" idx="1"/>
+          </p:nvPr>
+        </p:nvSpPr>
+        <p:spPr/>
+        <p:txBody>
+          <a:bodyPr/>
+          <a:lstStyle/>
+          <a:p>
+            <a:r>
+              <a:rPr lang="en-US" dirty="0" smtClean="0"/>
+              <a:t>https://</a:t>
+            </a:r>
+            <a:r>
+              <a:rPr lang="en-US" dirty="0" err="1" smtClean="0"/>
+              <a:t>technet.microsoft.com</a:t>
+            </a:r>
+            <a:r>
+              <a:rPr lang="en-US" dirty="0" smtClean="0"/>
+              <a:t>/en-us/library/dn319078.aspx</a:t>
+            </a:r>
+            <a:endParaRPr lang="en-US" dirty="0"/>
+          </a:p>
+        </p:txBody>
       </p:sp>
     </p:spTree>
   </p:cSld>
@@ -958,7 +986,7 @@
           <a:p>
             <a:fld id="{E226A506-95AD-6A4D-8EF1-31DC07EF1D3F}" type="slidenum">
               <a:rPr lang="en-US" smtClean="0"/>
-              <a:t>11</a:t>
+              <a:t>8</a:t>
             </a:fld>
             <a:endParaRPr lang="en-US"/>
           </a:p>
@@ -4016,791 +4044,6 @@
 </p:sld>
 </file>
 
-<file path=ppt/slides/slide10.xml><?xml version="1.0" encoding="utf-8"?>
-<p:sld xmlns:a="http://schemas.openxmlformats.org/drawingml/2006/main" xmlns:r="http://schemas.openxmlformats.org/officeDocument/2006/relationships" xmlns:p="http://schemas.openxmlformats.org/presentationml/2006/main">
-  <p:cSld>
-    <p:spTree>
-      <p:nvGrpSpPr>
-        <p:cNvPr id="1" name=""/>
-        <p:cNvGrpSpPr/>
-        <p:nvPr/>
-      </p:nvGrpSpPr>
-      <p:grpSpPr>
-        <a:xfrm>
-          <a:off x="0" y="0"/>
-          <a:ext cx="0" cy="0"/>
-          <a:chOff x="0" y="0"/>
-          <a:chExt cx="0" cy="0"/>
-        </a:xfrm>
-      </p:grpSpPr>
-      <p:sp>
-        <p:nvSpPr>
-          <p:cNvPr id="5" name="Slide Number Placeholder 4"/>
-          <p:cNvSpPr>
-            <a:spLocks noGrp="1"/>
-          </p:cNvSpPr>
-          <p:nvPr>
-            <p:ph type="sldNum" sz="quarter" idx="11"/>
-          </p:nvPr>
-        </p:nvSpPr>
-        <p:spPr/>
-        <p:txBody>
-          <a:bodyPr/>
-          <a:lstStyle/>
-          <a:p>
-            <a:fld id="{40C40BD7-E18B-5C4E-B1EA-FA08CBF24F05}" type="slidenum">
-              <a:rPr lang="en-GB"/>
-              <a:pPr/>
-              <a:t>10</a:t>
-            </a:fld>
-            <a:endParaRPr lang="en-GB"/>
-          </a:p>
-        </p:txBody>
-      </p:sp>
-      <p:sp>
-        <p:nvSpPr>
-          <p:cNvPr id="419842" name="Rectangle 2"/>
-          <p:cNvSpPr>
-            <a:spLocks noGrp="1" noChangeArrowheads="1"/>
-          </p:cNvSpPr>
-          <p:nvPr>
-            <p:ph type="title"/>
-          </p:nvPr>
-        </p:nvSpPr>
-        <p:spPr>
-          <a:xfrm>
-            <a:off x="457200" y="220663"/>
-            <a:ext cx="8229600" cy="714375"/>
-          </a:xfrm>
-        </p:spPr>
-        <p:txBody>
-          <a:bodyPr>
-            <a:normAutofit fontScale="90000"/>
-          </a:bodyPr>
-          <a:lstStyle/>
-          <a:p>
-            <a:r>
-              <a:rPr lang="en-US"/>
-              <a:t>Security</a:t>
-            </a:r>
-          </a:p>
-        </p:txBody>
-      </p:sp>
-      <p:sp>
-        <p:nvSpPr>
-          <p:cNvPr id="419843" name="Rectangle 3"/>
-          <p:cNvSpPr>
-            <a:spLocks noGrp="1" noChangeArrowheads="1"/>
-          </p:cNvSpPr>
-          <p:nvPr>
-            <p:ph type="body" idx="1"/>
-          </p:nvPr>
-        </p:nvSpPr>
-        <p:spPr>
-          <a:xfrm>
-            <a:off x="457200" y="981075"/>
-            <a:ext cx="4095750" cy="5459413"/>
-          </a:xfrm>
-          <a:noFill/>
-          <a:ln/>
-        </p:spPr>
-        <p:txBody>
-          <a:bodyPr/>
-          <a:lstStyle/>
-          <a:p>
-            <a:pPr>
-              <a:lnSpc>
-                <a:spcPct val="80000"/>
-              </a:lnSpc>
-              <a:buFontTx/>
-              <a:buNone/>
-            </a:pPr>
-            <a:r>
-              <a:rPr lang="en-US" sz="2000" dirty="0">
-                <a:solidFill>
-                  <a:srgbClr val="FF9933"/>
-                </a:solidFill>
-              </a:rPr>
-              <a:t>Windows</a:t>
-            </a:r>
-          </a:p>
-          <a:p>
-            <a:pPr>
-              <a:lnSpc>
-                <a:spcPct val="80000"/>
-              </a:lnSpc>
-            </a:pPr>
-            <a:r>
-              <a:rPr lang="en-US" sz="1600" dirty="0"/>
-              <a:t>Very flexible security model based on Access Control Lists</a:t>
-            </a:r>
-          </a:p>
-          <a:p>
-            <a:pPr>
-              <a:lnSpc>
-                <a:spcPct val="80000"/>
-              </a:lnSpc>
-            </a:pPr>
-            <a:r>
-              <a:rPr lang="en-US" sz="1600" dirty="0"/>
-              <a:t>Users are defined with</a:t>
-            </a:r>
-          </a:p>
-          <a:p>
-            <a:pPr lvl="1">
-              <a:lnSpc>
-                <a:spcPct val="80000"/>
-              </a:lnSpc>
-            </a:pPr>
-            <a:r>
-              <a:rPr lang="en-US" sz="1400" dirty="0"/>
-              <a:t>Privileges</a:t>
-            </a:r>
-          </a:p>
-          <a:p>
-            <a:pPr lvl="1">
-              <a:lnSpc>
-                <a:spcPct val="80000"/>
-              </a:lnSpc>
-            </a:pPr>
-            <a:r>
-              <a:rPr lang="en-US" sz="1400" dirty="0"/>
-              <a:t>Member groups</a:t>
-            </a:r>
-          </a:p>
-          <a:p>
-            <a:pPr>
-              <a:lnSpc>
-                <a:spcPct val="80000"/>
-              </a:lnSpc>
-            </a:pPr>
-            <a:r>
-              <a:rPr lang="en-US" sz="1600" dirty="0"/>
-              <a:t>Security can be applied to any Object Manager object</a:t>
-            </a:r>
-          </a:p>
-          <a:p>
-            <a:pPr lvl="1">
-              <a:lnSpc>
-                <a:spcPct val="80000"/>
-              </a:lnSpc>
-            </a:pPr>
-            <a:r>
-              <a:rPr lang="en-US" sz="1400" dirty="0"/>
-              <a:t>Files, processes, synchronization objects, …</a:t>
-            </a:r>
-          </a:p>
-          <a:p>
-            <a:pPr>
-              <a:lnSpc>
-                <a:spcPct val="80000"/>
-              </a:lnSpc>
-            </a:pPr>
-            <a:r>
-              <a:rPr lang="en-US" sz="1600" dirty="0"/>
-              <a:t>Supports auditing</a:t>
-            </a:r>
-          </a:p>
-        </p:txBody>
-      </p:sp>
-      <p:sp>
-        <p:nvSpPr>
-          <p:cNvPr id="419844" name="Rectangle 4"/>
-          <p:cNvSpPr>
-            <a:spLocks noChangeArrowheads="1"/>
-          </p:cNvSpPr>
-          <p:nvPr/>
-        </p:nvSpPr>
-        <p:spPr bwMode="auto">
-          <a:xfrm>
-            <a:off x="4743450" y="981075"/>
-            <a:ext cx="4095750" cy="5518150"/>
-          </a:xfrm>
-          <a:prstGeom prst="rect">
-            <a:avLst/>
-          </a:prstGeom>
-          <a:noFill/>
-          <a:ln>
-            <a:noFill/>
-          </a:ln>
-          <a:effectLst/>
-          <a:extLst>
-            <a:ext uri="{909E8E84-426E-40dd-AFC4-6F175D3DCCD1}">
-              <a14:hiddenFill xmlns:a14="http://schemas.microsoft.com/office/drawing/2010/main">
-                <a:solidFill>
-                  <a:schemeClr val="accent1"/>
-                </a:solidFill>
-              </a14:hiddenFill>
-            </a:ext>
-            <a:ext uri="{91240B29-F687-4f45-9708-019B960494DF}">
-              <a14:hiddenLine xmlns:a14="http://schemas.microsoft.com/office/drawing/2010/main" w="9525">
-                <a:solidFill>
-                  <a:schemeClr val="tx1"/>
-                </a:solidFill>
-                <a:miter lim="800000"/>
-                <a:headEnd/>
-                <a:tailEnd/>
-              </a14:hiddenLine>
-            </a:ext>
-            <a:ext uri="{AF507438-7753-43e0-B8FC-AC1667EBCBE1}">
-              <a14:hiddenEffects xmlns:a14="http://schemas.microsoft.com/office/drawing/2010/main">
-                <a:effectLst>
-                  <a:outerShdw blurRad="63500" dist="38099" dir="2700000" algn="ctr" rotWithShape="0">
-                    <a:schemeClr val="bg2">
-                      <a:alpha val="74998"/>
-                    </a:schemeClr>
-                  </a:outerShdw>
-                </a:effectLst>
-              </a14:hiddenEffects>
-            </a:ext>
-          </a:extLst>
-        </p:spPr>
-        <p:txBody>
-          <a:bodyPr/>
-          <a:lstStyle/>
-          <a:p>
-            <a:pPr marL="357188" indent="-357188">
-              <a:lnSpc>
-                <a:spcPct val="70000"/>
-              </a:lnSpc>
-              <a:spcBef>
-                <a:spcPct val="20000"/>
-              </a:spcBef>
-              <a:spcAft>
-                <a:spcPct val="20000"/>
-              </a:spcAft>
-              <a:buSzPct val="110000"/>
-            </a:pPr>
-            <a:r>
-              <a:rPr lang="en-US" dirty="0">
-                <a:solidFill>
-                  <a:srgbClr val="FF9933"/>
-                </a:solidFill>
-                <a:effectLst>
-                  <a:outerShdw blurRad="38100" dist="38100" dir="2700000" algn="tl">
-                    <a:srgbClr val="000000"/>
-                  </a:outerShdw>
-                </a:effectLst>
-              </a:rPr>
-              <a:t>Linux</a:t>
-            </a:r>
-          </a:p>
-          <a:p>
-            <a:pPr marL="357188" indent="-357188">
-              <a:lnSpc>
-                <a:spcPct val="80000"/>
-              </a:lnSpc>
-              <a:spcBef>
-                <a:spcPct val="20000"/>
-              </a:spcBef>
-              <a:spcAft>
-                <a:spcPct val="20000"/>
-              </a:spcAft>
-              <a:buSzPct val="110000"/>
-              <a:buFont typeface="Arial"/>
-              <a:buBlip>
-                <a:blip r:embed="rId3"/>
-              </a:buBlip>
-            </a:pPr>
-            <a:r>
-              <a:rPr lang="en-US" sz="1600" dirty="0"/>
-              <a:t>Two models: </a:t>
-            </a:r>
-          </a:p>
-          <a:p>
-            <a:pPr marL="987425" lvl="1" indent="-361950">
-              <a:lnSpc>
-                <a:spcPct val="80000"/>
-              </a:lnSpc>
-              <a:spcBef>
-                <a:spcPct val="20000"/>
-              </a:spcBef>
-              <a:spcAft>
-                <a:spcPct val="20000"/>
-              </a:spcAft>
-              <a:buSzPct val="110000"/>
-              <a:buFont typeface="Arial"/>
-              <a:buBlip>
-                <a:blip r:embed="rId3"/>
-              </a:buBlip>
-            </a:pPr>
-            <a:r>
-              <a:rPr lang="en-US" sz="1600" dirty="0"/>
-              <a:t>Standard UNIX model</a:t>
-            </a:r>
-          </a:p>
-          <a:p>
-            <a:pPr marL="987425" lvl="1" indent="-361950">
-              <a:lnSpc>
-                <a:spcPct val="80000"/>
-              </a:lnSpc>
-              <a:spcBef>
-                <a:spcPct val="20000"/>
-              </a:spcBef>
-              <a:spcAft>
-                <a:spcPct val="20000"/>
-              </a:spcAft>
-              <a:buSzPct val="110000"/>
-              <a:buFont typeface="Arial"/>
-              <a:buBlip>
-                <a:blip r:embed="rId3"/>
-              </a:buBlip>
-            </a:pPr>
-            <a:r>
-              <a:rPr lang="en-US" sz="1600" dirty="0"/>
-              <a:t>Access Control Lists (</a:t>
-            </a:r>
-            <a:r>
-              <a:rPr lang="en-US" sz="1600" dirty="0" err="1"/>
-              <a:t>SELinux</a:t>
-            </a:r>
-            <a:r>
-              <a:rPr lang="en-US" sz="1600" dirty="0"/>
-              <a:t>)</a:t>
-            </a:r>
-          </a:p>
-          <a:p>
-            <a:pPr marL="357188" indent="-357188">
-              <a:lnSpc>
-                <a:spcPct val="80000"/>
-              </a:lnSpc>
-              <a:spcBef>
-                <a:spcPct val="20000"/>
-              </a:spcBef>
-              <a:spcAft>
-                <a:spcPct val="20000"/>
-              </a:spcAft>
-              <a:buSzPct val="110000"/>
-              <a:buFont typeface="Arial"/>
-              <a:buBlip>
-                <a:blip r:embed="rId3"/>
-              </a:buBlip>
-            </a:pPr>
-            <a:r>
-              <a:rPr lang="en-US" sz="1600" dirty="0"/>
-              <a:t>Users are defined with:</a:t>
-            </a:r>
-          </a:p>
-          <a:p>
-            <a:pPr marL="987425" lvl="1" indent="-361950">
-              <a:lnSpc>
-                <a:spcPct val="80000"/>
-              </a:lnSpc>
-              <a:spcBef>
-                <a:spcPct val="20000"/>
-              </a:spcBef>
-              <a:spcAft>
-                <a:spcPct val="20000"/>
-              </a:spcAft>
-              <a:buSzPct val="110000"/>
-              <a:buFont typeface="Arial"/>
-              <a:buBlip>
-                <a:blip r:embed="rId3"/>
-              </a:buBlip>
-            </a:pPr>
-            <a:r>
-              <a:rPr lang="en-US" sz="1600" dirty="0"/>
-              <a:t>Capabilities (privileges)</a:t>
-            </a:r>
-          </a:p>
-          <a:p>
-            <a:pPr marL="987425" lvl="1" indent="-361950">
-              <a:lnSpc>
-                <a:spcPct val="80000"/>
-              </a:lnSpc>
-              <a:spcBef>
-                <a:spcPct val="20000"/>
-              </a:spcBef>
-              <a:spcAft>
-                <a:spcPct val="20000"/>
-              </a:spcAft>
-              <a:buSzPct val="110000"/>
-              <a:buFont typeface="Arial"/>
-              <a:buBlip>
-                <a:blip r:embed="rId3"/>
-              </a:buBlip>
-            </a:pPr>
-            <a:r>
-              <a:rPr lang="en-US" sz="1600" dirty="0"/>
-              <a:t>Member groups</a:t>
-            </a:r>
-          </a:p>
-          <a:p>
-            <a:pPr marL="357188" indent="-357188">
-              <a:lnSpc>
-                <a:spcPct val="80000"/>
-              </a:lnSpc>
-              <a:spcBef>
-                <a:spcPct val="20000"/>
-              </a:spcBef>
-              <a:spcAft>
-                <a:spcPct val="20000"/>
-              </a:spcAft>
-              <a:buSzPct val="110000"/>
-              <a:buFont typeface="Arial"/>
-              <a:buBlip>
-                <a:blip r:embed="rId3"/>
-              </a:buBlip>
-            </a:pPr>
-            <a:r>
-              <a:rPr lang="en-US" sz="1600" dirty="0"/>
-              <a:t>Security is implemented on an object-by-object basis</a:t>
-            </a:r>
-          </a:p>
-          <a:p>
-            <a:pPr marL="357188" indent="-357188">
-              <a:lnSpc>
-                <a:spcPct val="80000"/>
-              </a:lnSpc>
-              <a:spcBef>
-                <a:spcPct val="20000"/>
-              </a:spcBef>
-              <a:spcAft>
-                <a:spcPct val="20000"/>
-              </a:spcAft>
-              <a:buSzPct val="110000"/>
-              <a:buFont typeface="Arial"/>
-              <a:buBlip>
-                <a:blip r:embed="rId3"/>
-              </a:buBlip>
-            </a:pPr>
-            <a:r>
-              <a:rPr lang="en-US" sz="1600" dirty="0"/>
-              <a:t>Has no built-in auditing support</a:t>
-            </a:r>
-          </a:p>
-          <a:p>
-            <a:pPr marL="357188" indent="-357188">
-              <a:lnSpc>
-                <a:spcPct val="80000"/>
-              </a:lnSpc>
-              <a:spcBef>
-                <a:spcPct val="20000"/>
-              </a:spcBef>
-              <a:spcAft>
-                <a:spcPct val="20000"/>
-              </a:spcAft>
-              <a:buSzPct val="110000"/>
-              <a:buFont typeface="Arial"/>
-              <a:buBlip>
-                <a:blip r:embed="rId3"/>
-              </a:buBlip>
-            </a:pPr>
-            <a:r>
-              <a:rPr lang="en-US" sz="1600" dirty="0"/>
-              <a:t>Version 2.6 includes Linux Security Module framework for add-on security models</a:t>
-            </a:r>
-          </a:p>
-        </p:txBody>
-      </p:sp>
-    </p:spTree>
-    <p:extLst>
-      <p:ext uri="{BB962C8B-B14F-4D97-AF65-F5344CB8AC3E}">
-        <p14:creationId xmlns:p14="http://schemas.microsoft.com/office/powerpoint/2010/main" val="3417280583"/>
-      </p:ext>
-    </p:extLst>
-  </p:cSld>
-  <p:clrMapOvr>
-    <a:masterClrMapping/>
-  </p:clrMapOvr>
-  <mc:AlternateContent xmlns:mc="http://schemas.openxmlformats.org/markup-compatibility/2006">
-    <mc:Choice xmlns:p14="http://schemas.microsoft.com/office/powerpoint/2010/main" Requires="p14">
-      <p:transition spd="slow" p14:dur="2000"/>
-    </mc:Choice>
-    <mc:Fallback>
-      <p:transition xmlns:p14="http://schemas.microsoft.com/office/powerpoint/2010/main" spd="slow"/>
-    </mc:Fallback>
-  </mc:AlternateContent>
-  <p:timing>
-    <p:tnLst>
-      <p:par>
-        <p:cTn xmlns:p14="http://schemas.microsoft.com/office/powerpoint/2010/main" id="1" dur="indefinite" restart="never" nodeType="tmRoot">
-          <p:childTnLst>
-            <p:seq concurrent="1" nextAc="seek">
-              <p:cTn id="2" dur="indefinite" nodeType="mainSeq">
-                <p:childTnLst>
-                  <p:par>
-                    <p:cTn id="3" fill="hold" nodeType="clickPar">
-                      <p:stCondLst>
-                        <p:cond delay="indefinite"/>
-                      </p:stCondLst>
-                      <p:childTnLst>
-                        <p:par>
-                          <p:cTn id="4" fill="hold" nodeType="withGroup">
-                            <p:stCondLst>
-                              <p:cond delay="0"/>
-                            </p:stCondLst>
-                            <p:childTnLst>
-                              <p:par>
-                                <p:cTn id="5" presetID="2" presetClass="entr" presetSubtype="2" fill="hold" grpId="0" nodeType="clickEffect">
-                                  <p:stCondLst>
-                                    <p:cond delay="0"/>
-                                  </p:stCondLst>
-                                  <p:childTnLst>
-                                    <p:set>
-                                      <p:cBhvr>
-                                        <p:cTn id="6" dur="1" fill="hold">
-                                          <p:stCondLst>
-                                            <p:cond delay="0"/>
-                                          </p:stCondLst>
-                                        </p:cTn>
-                                        <p:tgtEl>
-                                          <p:spTgt spid="419844"/>
-                                        </p:tgtEl>
-                                        <p:attrNameLst>
-                                          <p:attrName>style.visibility</p:attrName>
-                                        </p:attrNameLst>
-                                      </p:cBhvr>
-                                      <p:to>
-                                        <p:strVal val="visible"/>
-                                      </p:to>
-                                    </p:set>
-                                    <p:anim calcmode="lin" valueType="num">
-                                      <p:cBhvr additive="base">
-                                        <p:cTn id="7" dur="500" fill="hold"/>
-                                        <p:tgtEl>
-                                          <p:spTgt spid="419844"/>
-                                        </p:tgtEl>
-                                        <p:attrNameLst>
-                                          <p:attrName>ppt_x</p:attrName>
-                                        </p:attrNameLst>
-                                      </p:cBhvr>
-                                      <p:tavLst>
-                                        <p:tav tm="0">
-                                          <p:val>
-                                            <p:strVal val="1+#ppt_w/2"/>
-                                          </p:val>
-                                        </p:tav>
-                                        <p:tav tm="100000">
-                                          <p:val>
-                                            <p:strVal val="#ppt_x"/>
-                                          </p:val>
-                                        </p:tav>
-                                      </p:tavLst>
-                                    </p:anim>
-                                    <p:anim calcmode="lin" valueType="num">
-                                      <p:cBhvr additive="base">
-                                        <p:cTn id="8" dur="500" fill="hold"/>
-                                        <p:tgtEl>
-                                          <p:spTgt spid="419844"/>
-                                        </p:tgtEl>
-                                        <p:attrNameLst>
-                                          <p:attrName>ppt_y</p:attrName>
-                                        </p:attrNameLst>
-                                      </p:cBhvr>
-                                      <p:tavLst>
-                                        <p:tav tm="0">
-                                          <p:val>
-                                            <p:strVal val="#ppt_y"/>
-                                          </p:val>
-                                        </p:tav>
-                                        <p:tav tm="100000">
-                                          <p:val>
-                                            <p:strVal val="#ppt_y"/>
-                                          </p:val>
-                                        </p:tav>
-                                      </p:tavLst>
-                                    </p:anim>
-                                  </p:childTnLst>
-                                </p:cTn>
-                              </p:par>
-                            </p:childTnLst>
-                          </p:cTn>
-                        </p:par>
-                      </p:childTnLst>
-                    </p:cTn>
-                  </p:par>
-                </p:childTnLst>
-              </p:cTn>
-              <p:prevCondLst>
-                <p:cond evt="onPrev" delay="0">
-                  <p:tgtEl>
-                    <p:sldTgt/>
-                  </p:tgtEl>
-                </p:cond>
-              </p:prevCondLst>
-              <p:nextCondLst>
-                <p:cond evt="onNext" delay="0">
-                  <p:tgtEl>
-                    <p:sldTgt/>
-                  </p:tgtEl>
-                </p:cond>
-              </p:nextCondLst>
-            </p:seq>
-          </p:childTnLst>
-        </p:cTn>
-      </p:par>
-    </p:tnLst>
-    <p:bldLst>
-      <p:bldP spid="419844" grpId="0" autoUpdateAnimBg="0"/>
-    </p:bldLst>
-  </p:timing>
-</p:sld>
-</file>
-
-<file path=ppt/slides/slide11.xml><?xml version="1.0" encoding="utf-8"?>
-<p:sld xmlns:a="http://schemas.openxmlformats.org/drawingml/2006/main" xmlns:r="http://schemas.openxmlformats.org/officeDocument/2006/relationships" xmlns:p="http://schemas.openxmlformats.org/presentationml/2006/main">
-  <p:cSld>
-    <p:spTree>
-      <p:nvGrpSpPr>
-        <p:cNvPr id="1" name=""/>
-        <p:cNvGrpSpPr/>
-        <p:nvPr/>
-      </p:nvGrpSpPr>
-      <p:grpSpPr>
-        <a:xfrm>
-          <a:off x="0" y="0"/>
-          <a:ext cx="0" cy="0"/>
-          <a:chOff x="0" y="0"/>
-          <a:chExt cx="0" cy="0"/>
-        </a:xfrm>
-      </p:grpSpPr>
-      <p:sp>
-        <p:nvSpPr>
-          <p:cNvPr id="2" name="Title 1"/>
-          <p:cNvSpPr>
-            <a:spLocks noGrp="1"/>
-          </p:cNvSpPr>
-          <p:nvPr>
-            <p:ph type="title"/>
-          </p:nvPr>
-        </p:nvSpPr>
-        <p:spPr/>
-        <p:txBody>
-          <a:bodyPr/>
-          <a:lstStyle/>
-          <a:p>
-            <a:r>
-              <a:rPr lang="en-US" dirty="0" smtClean="0"/>
-              <a:t>File System</a:t>
-            </a:r>
-            <a:endParaRPr lang="en-US" dirty="0"/>
-          </a:p>
-        </p:txBody>
-      </p:sp>
-      <p:sp>
-        <p:nvSpPr>
-          <p:cNvPr id="3" name="Content Placeholder 2"/>
-          <p:cNvSpPr>
-            <a:spLocks noGrp="1"/>
-          </p:cNvSpPr>
-          <p:nvPr>
-            <p:ph idx="1"/>
-          </p:nvPr>
-        </p:nvSpPr>
-        <p:spPr/>
-        <p:txBody>
-          <a:bodyPr>
-            <a:normAutofit lnSpcReduction="10000"/>
-          </a:bodyPr>
-          <a:lstStyle/>
-          <a:p>
-            <a:r>
-              <a:rPr lang="en-US" dirty="0" smtClean="0"/>
-              <a:t>Everything is a file</a:t>
-            </a:r>
-          </a:p>
-          <a:p>
-            <a:pPr lvl="1"/>
-            <a:r>
-              <a:rPr lang="en-US" dirty="0" err="1" smtClean="0"/>
-              <a:t>Inode</a:t>
-            </a:r>
-            <a:r>
-              <a:rPr lang="en-US" dirty="0" smtClean="0"/>
-              <a:t> </a:t>
-            </a:r>
-            <a:r>
-              <a:rPr lang="en-US" dirty="0" err="1" smtClean="0"/>
-              <a:t>Vs</a:t>
-            </a:r>
-            <a:r>
-              <a:rPr lang="en-US" dirty="0" smtClean="0"/>
-              <a:t> NTFS</a:t>
-            </a:r>
-          </a:p>
-          <a:p>
-            <a:pPr lvl="1"/>
-            <a:r>
-              <a:rPr lang="en-US" dirty="0" smtClean="0"/>
-              <a:t>Rename/delete file while its open</a:t>
-            </a:r>
-          </a:p>
-          <a:p>
-            <a:pPr lvl="2"/>
-            <a:r>
-              <a:rPr lang="en-US" dirty="0" smtClean="0"/>
-              <a:t>Default in </a:t>
-            </a:r>
-            <a:r>
-              <a:rPr lang="en-US" dirty="0" err="1" smtClean="0"/>
-              <a:t>linux</a:t>
-            </a:r>
-            <a:endParaRPr lang="en-US" dirty="0" smtClean="0"/>
-          </a:p>
-          <a:p>
-            <a:pPr lvl="2"/>
-            <a:r>
-              <a:rPr lang="en-US" dirty="0" smtClean="0"/>
-              <a:t>NTFS Support : C library </a:t>
-            </a:r>
-            <a:r>
-              <a:rPr lang="en-US" dirty="0" err="1" smtClean="0"/>
-              <a:t>fopen</a:t>
-            </a:r>
-            <a:r>
-              <a:rPr lang="en-US" dirty="0" smtClean="0"/>
-              <a:t> FILE_SHARE_DELETE</a:t>
-            </a:r>
-          </a:p>
-          <a:p>
-            <a:r>
-              <a:rPr lang="en-US" dirty="0" smtClean="0"/>
-              <a:t>Boot Process directory sort </a:t>
-            </a:r>
-          </a:p>
-          <a:p>
-            <a:r>
-              <a:rPr lang="en-US" dirty="0" smtClean="0"/>
-              <a:t>Merged program / documentation directories </a:t>
-            </a:r>
-          </a:p>
-          <a:p>
-            <a:pPr lvl="1"/>
-            <a:r>
-              <a:rPr lang="en-US" dirty="0" smtClean="0"/>
-              <a:t>No per application space for files</a:t>
-            </a:r>
-          </a:p>
-          <a:p>
-            <a:r>
-              <a:rPr lang="en-US" dirty="0" smtClean="0"/>
-              <a:t>Transparent network file system access</a:t>
-            </a:r>
-            <a:endParaRPr lang="en-US" dirty="0"/>
-          </a:p>
-        </p:txBody>
-      </p:sp>
-    </p:spTree>
-    <p:extLst>
-      <p:ext uri="{BB962C8B-B14F-4D97-AF65-F5344CB8AC3E}">
-        <p14:creationId xmlns:p14="http://schemas.microsoft.com/office/powerpoint/2010/main" val="358379635"/>
-      </p:ext>
-    </p:extLst>
-  </p:cSld>
-  <p:clrMapOvr>
-    <a:masterClrMapping/>
-  </p:clrMapOvr>
-  <p:timing>
-    <p:tnLst>
-      <p:par>
-        <p:cTn xmlns:p14="http://schemas.microsoft.com/office/powerpoint/2010/main" id="1" dur="indefinite" restart="never" nodeType="tmRoot"/>
-      </p:par>
-    </p:tnLst>
-  </p:timing>
-</p:sld>
-</file>
-
 <file path=ppt/slides/slide2.xml><?xml version="1.0" encoding="utf-8"?>
 <p:sld xmlns:a="http://schemas.openxmlformats.org/drawingml/2006/main" xmlns:r="http://schemas.openxmlformats.org/officeDocument/2006/relationships" xmlns:p="http://schemas.openxmlformats.org/presentationml/2006/main">
   <p:cSld>
@@ -4953,7 +4196,6 @@
               <a:rPr lang="en-US" dirty="0" smtClean="0"/>
               <a:t>No inherent parent/child relationship.</a:t>
             </a:r>
-            <a:endParaRPr lang="en-US" dirty="0" smtClean="0"/>
           </a:p>
           <a:p>
             <a:r>
@@ -8032,11 +7274,13 @@
         <p:spPr>
           <a:xfrm>
             <a:off x="457200" y="1371600"/>
-            <a:ext cx="8229600" cy="5008563"/>
+            <a:ext cx="4012854" cy="5008563"/>
           </a:xfrm>
         </p:spPr>
         <p:txBody>
-          <a:bodyPr/>
+          <a:bodyPr>
+            <a:normAutofit/>
+          </a:bodyPr>
           <a:lstStyle/>
           <a:p>
             <a:pPr>
@@ -8046,7 +7290,15 @@
             </a:pPr>
             <a:r>
               <a:rPr lang="en-US" sz="2400" dirty="0"/>
-              <a:t>Most threads use a dynamic priority policy </a:t>
+              <a:t>D</a:t>
+            </a:r>
+            <a:r>
+              <a:rPr lang="en-US" sz="2400" dirty="0" smtClean="0"/>
+              <a:t>ynamic </a:t>
+            </a:r>
+            <a:r>
+              <a:rPr lang="en-US" sz="2400" dirty="0"/>
+              <a:t>priority policy </a:t>
             </a:r>
           </a:p>
           <a:p>
@@ -8056,8 +7308,12 @@
               </a:lnSpc>
             </a:pPr>
             <a:r>
+              <a:rPr lang="en-US" sz="2000" dirty="0" smtClean="0"/>
+              <a:t>Threads </a:t>
+            </a:r>
+            <a:r>
               <a:rPr lang="en-US" sz="2000" dirty="0"/>
-              <a:t>Normal class - similar to the classic UNIX scheduler</a:t>
+              <a:t>that block frequently (I/O bound) will have their priority gradually increased</a:t>
             </a:r>
           </a:p>
           <a:p>
@@ -8068,7 +7324,18 @@
             </a:pPr>
             <a:r>
               <a:rPr lang="en-US" sz="2000" dirty="0"/>
-              <a:t>A newly created thread starts with a base priority </a:t>
+              <a:t>Threads that always exhaust their time slice (CPU bound) will have their priority gradually decreased</a:t>
+            </a:r>
+          </a:p>
+          <a:p>
+            <a:pPr>
+              <a:lnSpc>
+                <a:spcPct val="90000"/>
+              </a:lnSpc>
+            </a:pPr>
+            <a:r>
+              <a:rPr lang="en-US" sz="2400" b="1" dirty="0" smtClean="0"/>
+              <a:t>Nice() </a:t>
             </a:r>
           </a:p>
           <a:p>
@@ -8078,8 +7345,198 @@
               </a:lnSpc>
             </a:pPr>
             <a:r>
+              <a:rPr lang="en-US" sz="2000" dirty="0" smtClean="0"/>
+              <a:t>-</a:t>
+            </a:r>
+            <a:r>
               <a:rPr lang="en-US" sz="2000" dirty="0"/>
-              <a:t>Threads that block frequently (I/O bound) will have their priority gradually increased</a:t>
+              <a:t>20 to +20 </a:t>
+            </a:r>
+          </a:p>
+          <a:p>
+            <a:pPr>
+              <a:lnSpc>
+                <a:spcPct val="90000"/>
+              </a:lnSpc>
+            </a:pPr>
+            <a:r>
+              <a:rPr lang="en-US" sz="2400" dirty="0" smtClean="0"/>
+              <a:t>Dynamic </a:t>
+            </a:r>
+            <a:r>
+              <a:rPr lang="en-US" sz="2400" dirty="0"/>
+              <a:t>priority policy threads have static priority zero </a:t>
+            </a:r>
+          </a:p>
+        </p:txBody>
+      </p:sp>
+      <p:sp>
+        <p:nvSpPr>
+          <p:cNvPr id="5" name="Rectangle 1027"/>
+          <p:cNvSpPr txBox="1">
+            <a:spLocks noChangeArrowheads="1"/>
+          </p:cNvSpPr>
+          <p:nvPr/>
+        </p:nvSpPr>
+        <p:spPr>
+          <a:xfrm>
+            <a:off x="4885620" y="1371600"/>
+            <a:ext cx="3801180" cy="4856163"/>
+          </a:xfrm>
+          <a:prstGeom prst="rect">
+            <a:avLst/>
+          </a:prstGeom>
+        </p:spPr>
+        <p:txBody>
+          <a:bodyPr vert="horz" lIns="91440" tIns="45720" rIns="91440" bIns="45720" rtlCol="0">
+            <a:normAutofit fontScale="92500" lnSpcReduction="10000"/>
+          </a:bodyPr>
+          <a:lstStyle>
+            <a:lvl1pPr marL="342900" indent="-342900" algn="l" defTabSz="457200" rtl="0" eaLnBrk="1" latinLnBrk="0" hangingPunct="1">
+              <a:spcBef>
+                <a:spcPct val="20000"/>
+              </a:spcBef>
+              <a:buFont typeface="Arial"/>
+              <a:buChar char="•"/>
+              <a:defRPr sz="3200" kern="1200">
+                <a:solidFill>
+                  <a:schemeClr val="tx1"/>
+                </a:solidFill>
+                <a:latin typeface="+mn-lt"/>
+                <a:ea typeface="+mn-ea"/>
+                <a:cs typeface="+mn-cs"/>
+              </a:defRPr>
+            </a:lvl1pPr>
+            <a:lvl2pPr marL="742950" indent="-285750" algn="l" defTabSz="457200" rtl="0" eaLnBrk="1" latinLnBrk="0" hangingPunct="1">
+              <a:spcBef>
+                <a:spcPct val="20000"/>
+              </a:spcBef>
+              <a:buFont typeface="Arial"/>
+              <a:buChar char="–"/>
+              <a:defRPr sz="2800" kern="1200">
+                <a:solidFill>
+                  <a:schemeClr val="tx1"/>
+                </a:solidFill>
+                <a:latin typeface="+mn-lt"/>
+                <a:ea typeface="+mn-ea"/>
+                <a:cs typeface="+mn-cs"/>
+              </a:defRPr>
+            </a:lvl2pPr>
+            <a:lvl3pPr marL="1143000" indent="-228600" algn="l" defTabSz="457200" rtl="0" eaLnBrk="1" latinLnBrk="0" hangingPunct="1">
+              <a:spcBef>
+                <a:spcPct val="20000"/>
+              </a:spcBef>
+              <a:buFont typeface="Arial"/>
+              <a:buChar char="•"/>
+              <a:defRPr sz="2400" kern="1200">
+                <a:solidFill>
+                  <a:schemeClr val="tx1"/>
+                </a:solidFill>
+                <a:latin typeface="+mn-lt"/>
+                <a:ea typeface="+mn-ea"/>
+                <a:cs typeface="+mn-cs"/>
+              </a:defRPr>
+            </a:lvl3pPr>
+            <a:lvl4pPr marL="1600200" indent="-228600" algn="l" defTabSz="457200" rtl="0" eaLnBrk="1" latinLnBrk="0" hangingPunct="1">
+              <a:spcBef>
+                <a:spcPct val="20000"/>
+              </a:spcBef>
+              <a:buFont typeface="Arial"/>
+              <a:buChar char="–"/>
+              <a:defRPr sz="2000" kern="1200">
+                <a:solidFill>
+                  <a:schemeClr val="tx1"/>
+                </a:solidFill>
+                <a:latin typeface="+mn-lt"/>
+                <a:ea typeface="+mn-ea"/>
+                <a:cs typeface="+mn-cs"/>
+              </a:defRPr>
+            </a:lvl4pPr>
+            <a:lvl5pPr marL="2057400" indent="-228600" algn="l" defTabSz="457200" rtl="0" eaLnBrk="1" latinLnBrk="0" hangingPunct="1">
+              <a:spcBef>
+                <a:spcPct val="20000"/>
+              </a:spcBef>
+              <a:buFont typeface="Arial"/>
+              <a:buChar char="»"/>
+              <a:defRPr sz="2000" kern="1200">
+                <a:solidFill>
+                  <a:schemeClr val="tx1"/>
+                </a:solidFill>
+                <a:latin typeface="+mn-lt"/>
+                <a:ea typeface="+mn-ea"/>
+                <a:cs typeface="+mn-cs"/>
+              </a:defRPr>
+            </a:lvl5pPr>
+            <a:lvl6pPr marL="2514600" indent="-228600" algn="l" defTabSz="457200" rtl="0" eaLnBrk="1" latinLnBrk="0" hangingPunct="1">
+              <a:spcBef>
+                <a:spcPct val="20000"/>
+              </a:spcBef>
+              <a:buFont typeface="Arial"/>
+              <a:buChar char="•"/>
+              <a:defRPr sz="2000" kern="1200">
+                <a:solidFill>
+                  <a:schemeClr val="tx1"/>
+                </a:solidFill>
+                <a:latin typeface="+mn-lt"/>
+                <a:ea typeface="+mn-ea"/>
+                <a:cs typeface="+mn-cs"/>
+              </a:defRPr>
+            </a:lvl6pPr>
+            <a:lvl7pPr marL="2971800" indent="-228600" algn="l" defTabSz="457200" rtl="0" eaLnBrk="1" latinLnBrk="0" hangingPunct="1">
+              <a:spcBef>
+                <a:spcPct val="20000"/>
+              </a:spcBef>
+              <a:buFont typeface="Arial"/>
+              <a:buChar char="•"/>
+              <a:defRPr sz="2000" kern="1200">
+                <a:solidFill>
+                  <a:schemeClr val="tx1"/>
+                </a:solidFill>
+                <a:latin typeface="+mn-lt"/>
+                <a:ea typeface="+mn-ea"/>
+                <a:cs typeface="+mn-cs"/>
+              </a:defRPr>
+            </a:lvl7pPr>
+            <a:lvl8pPr marL="3429000" indent="-228600" algn="l" defTabSz="457200" rtl="0" eaLnBrk="1" latinLnBrk="0" hangingPunct="1">
+              <a:spcBef>
+                <a:spcPct val="20000"/>
+              </a:spcBef>
+              <a:buFont typeface="Arial"/>
+              <a:buChar char="•"/>
+              <a:defRPr sz="2000" kern="1200">
+                <a:solidFill>
+                  <a:schemeClr val="tx1"/>
+                </a:solidFill>
+                <a:latin typeface="+mn-lt"/>
+                <a:ea typeface="+mn-ea"/>
+                <a:cs typeface="+mn-cs"/>
+              </a:defRPr>
+            </a:lvl8pPr>
+            <a:lvl9pPr marL="3886200" indent="-228600" algn="l" defTabSz="457200" rtl="0" eaLnBrk="1" latinLnBrk="0" hangingPunct="1">
+              <a:spcBef>
+                <a:spcPct val="20000"/>
+              </a:spcBef>
+              <a:buFont typeface="Arial"/>
+              <a:buChar char="•"/>
+              <a:defRPr sz="2000" kern="1200">
+                <a:solidFill>
+                  <a:schemeClr val="tx1"/>
+                </a:solidFill>
+                <a:latin typeface="+mn-lt"/>
+                <a:ea typeface="+mn-ea"/>
+                <a:cs typeface="+mn-cs"/>
+              </a:defRPr>
+            </a:lvl9pPr>
+          </a:lstStyle>
+          <a:p>
+            <a:pPr>
+              <a:lnSpc>
+                <a:spcPct val="90000"/>
+              </a:lnSpc>
+            </a:pPr>
+            <a:r>
+              <a:rPr lang="en-US" sz="2400" dirty="0" smtClean="0"/>
+              <a:t>Most threads run in variable priority levels</a:t>
             </a:r>
           </a:p>
           <a:p>
@@ -8089,19 +7546,8 @@
               </a:lnSpc>
             </a:pPr>
             <a:r>
-              <a:rPr lang="en-US" sz="2000" dirty="0"/>
-              <a:t>Threads that always exhaust their time slice (CPU bound) will have their priority gradually decreased</a:t>
-            </a:r>
-          </a:p>
-          <a:p>
-            <a:pPr>
-              <a:lnSpc>
-                <a:spcPct val="90000"/>
-              </a:lnSpc>
-            </a:pPr>
-            <a:r>
-              <a:rPr lang="en-US" sz="2400" dirty="0"/>
-              <a:t>“Nice value” sets a thread’s base priority</a:t>
+              <a:rPr lang="en-US" sz="2000" dirty="0" smtClean="0"/>
+              <a:t>Priorities 1-15; </a:t>
             </a:r>
           </a:p>
           <a:p>
@@ -8111,8 +7557,8 @@
               </a:lnSpc>
             </a:pPr>
             <a:r>
-              <a:rPr lang="en-US" sz="2000" dirty="0"/>
-              <a:t>Larger values = less priority, lower values = higher priority</a:t>
+              <a:rPr lang="en-US" sz="2000" dirty="0" smtClean="0"/>
+              <a:t>Threads that complete I/O operations experience priority boosts (but never higher than 15)</a:t>
             </a:r>
           </a:p>
           <a:p>
@@ -8122,46 +7568,42 @@
               </a:lnSpc>
             </a:pPr>
             <a:r>
-              <a:rPr lang="en-US" sz="2000" dirty="0"/>
-              <a:t>Valid nice values are in the range of -20 to +20 </a:t>
-            </a:r>
-          </a:p>
-          <a:p>
-            <a:pPr lvl="1">
-              <a:lnSpc>
-                <a:spcPct val="90000"/>
-              </a:lnSpc>
-            </a:pPr>
-            <a:r>
-              <a:rPr lang="en-US" sz="2000" dirty="0" err="1"/>
-              <a:t>Nonprivileged</a:t>
-            </a:r>
-            <a:r>
-              <a:rPr lang="en-US" sz="2000" dirty="0"/>
-              <a:t> users can only specify positive nice value</a:t>
-            </a:r>
-          </a:p>
-          <a:p>
-            <a:pPr>
-              <a:lnSpc>
-                <a:spcPct val="90000"/>
-              </a:lnSpc>
-            </a:pPr>
-            <a:r>
-              <a:rPr lang="en-US" sz="2400" dirty="0"/>
-              <a:t>Dynamic priority policy threads have static priority zero </a:t>
-            </a:r>
-          </a:p>
-          <a:p>
-            <a:pPr lvl="1">
-              <a:lnSpc>
-                <a:spcPct val="90000"/>
-              </a:lnSpc>
-            </a:pPr>
-            <a:r>
-              <a:rPr lang="en-US" sz="2000" dirty="0"/>
-              <a:t>Execute only when there are no runnable real-time threads</a:t>
-            </a:r>
+              <a:rPr lang="en-US" sz="2000" dirty="0" smtClean="0"/>
+              <a:t>A thread’s priority will never be below base priority</a:t>
+            </a:r>
+          </a:p>
+          <a:p>
+            <a:r>
+              <a:rPr lang="en-US" sz="2400" b="1" dirty="0" err="1" smtClean="0"/>
+              <a:t>SetThreadPriority</a:t>
+            </a:r>
+            <a:r>
+              <a:rPr lang="en-US" sz="2400" dirty="0" smtClean="0"/>
+              <a:t>()</a:t>
+            </a:r>
+          </a:p>
+          <a:p>
+            <a:pPr lvl="1"/>
+            <a:r>
+              <a:rPr lang="en-US" sz="2000" dirty="0" smtClean="0"/>
+              <a:t>Has MACROS to set priority level within each priority class</a:t>
+            </a:r>
+          </a:p>
+          <a:p>
+            <a:pPr lvl="1"/>
+            <a:r>
+              <a:rPr lang="en-US" sz="2000" dirty="0" smtClean="0"/>
+              <a:t>Windows will dynamically adjust priorities for non-</a:t>
+            </a:r>
+            <a:r>
+              <a:rPr lang="en-US" sz="2000" dirty="0" err="1" smtClean="0"/>
+              <a:t>realtime</a:t>
+            </a:r>
+            <a:r>
+              <a:rPr lang="en-US" sz="2000" dirty="0" smtClean="0"/>
+              <a:t> threads</a:t>
+            </a:r>
+            <a:endParaRPr lang="en-US" sz="1800" dirty="0"/>
           </a:p>
         </p:txBody>
       </p:sp>
@@ -8175,11 +7617,11 @@
   <p:clrMapOvr>
     <a:masterClrMapping/>
   </p:clrMapOvr>
-  <mc:AlternateContent xmlns:mc="http://schemas.openxmlformats.org/markup-compatibility/2006">
-    <mc:Choice xmlns:p14="http://schemas.microsoft.com/office/powerpoint/2010/main" Requires="p14">
+  <mc:AlternateContent xmlns:mc="http://schemas.openxmlformats.org/markup-compatibility/2006" xmlns:p14="http://schemas.microsoft.com/office/powerpoint/2010/main">
+    <mc:Choice Requires="p14">
       <p:transition spd="slow" p14:dur="2000"/>
     </mc:Choice>
-    <mc:Fallback>
+    <mc:Fallback xmlns="">
       <p:transition xmlns:p14="http://schemas.microsoft.com/office/powerpoint/2010/main" spd="slow"/>
     </mc:Fallback>
   </mc:AlternateContent>
@@ -8212,633 +7654,6 @@
       </p:grpSpPr>
       <p:sp>
         <p:nvSpPr>
-          <p:cNvPr id="4" name="Slide Number Placeholder 4"/>
-          <p:cNvSpPr>
-            <a:spLocks noGrp="1"/>
-          </p:cNvSpPr>
-          <p:nvPr>
-            <p:ph type="sldNum" sz="quarter" idx="11"/>
-          </p:nvPr>
-        </p:nvSpPr>
-        <p:spPr/>
-        <p:txBody>
-          <a:bodyPr/>
-          <a:lstStyle/>
-          <a:p>
-            <a:fld id="{3F276429-0C57-4D4C-A30C-4494F8F6D3F7}" type="slidenum">
-              <a:rPr lang="en-GB"/>
-              <a:pPr/>
-              <a:t>6</a:t>
-            </a:fld>
-            <a:endParaRPr lang="en-GB"/>
-          </a:p>
-        </p:txBody>
-      </p:sp>
-      <p:sp>
-        <p:nvSpPr>
-          <p:cNvPr id="474114" name="Rectangle 2"/>
-          <p:cNvSpPr>
-            <a:spLocks noGrp="1" noChangeArrowheads="1"/>
-          </p:cNvSpPr>
-          <p:nvPr>
-            <p:ph type="title"/>
-          </p:nvPr>
-        </p:nvSpPr>
-        <p:spPr/>
-        <p:txBody>
-          <a:bodyPr/>
-          <a:lstStyle/>
-          <a:p>
-            <a:r>
-              <a:rPr lang="en-US"/>
-              <a:t>Real-Time Scheduling on Linux</a:t>
-            </a:r>
-          </a:p>
-        </p:txBody>
-      </p:sp>
-      <p:sp>
-        <p:nvSpPr>
-          <p:cNvPr id="474115" name="Rectangle 3"/>
-          <p:cNvSpPr>
-            <a:spLocks noGrp="1" noChangeArrowheads="1"/>
-          </p:cNvSpPr>
-          <p:nvPr>
-            <p:ph type="body" idx="1"/>
-          </p:nvPr>
-        </p:nvSpPr>
-        <p:spPr>
-          <a:xfrm>
-            <a:off x="457200" y="1295400"/>
-            <a:ext cx="8229600" cy="4932363"/>
-          </a:xfrm>
-        </p:spPr>
-        <p:txBody>
-          <a:bodyPr/>
-          <a:lstStyle/>
-          <a:p>
-            <a:pPr>
-              <a:lnSpc>
-                <a:spcPct val="90000"/>
-              </a:lnSpc>
-            </a:pPr>
-            <a:r>
-              <a:rPr lang="en-US" sz="2400"/>
-              <a:t>Linux supports two static priority scheduling policies:</a:t>
-            </a:r>
-          </a:p>
-          <a:p>
-            <a:pPr lvl="1">
-              <a:lnSpc>
-                <a:spcPct val="90000"/>
-              </a:lnSpc>
-            </a:pPr>
-            <a:r>
-              <a:rPr lang="en-US" sz="2000"/>
-              <a:t>Round-robin and FIFO (first in, first out)</a:t>
-            </a:r>
-          </a:p>
-          <a:p>
-            <a:pPr lvl="2">
-              <a:lnSpc>
-                <a:spcPct val="90000"/>
-              </a:lnSpc>
-            </a:pPr>
-            <a:r>
-              <a:rPr lang="en-US" sz="1800"/>
-              <a:t>Selected with the sched-setscheduler( ) system call</a:t>
-            </a:r>
-          </a:p>
-          <a:p>
-            <a:pPr lvl="2">
-              <a:lnSpc>
-                <a:spcPct val="90000"/>
-              </a:lnSpc>
-            </a:pPr>
-            <a:r>
-              <a:rPr lang="en-US" sz="1800"/>
-              <a:t>Use static priority values in the range of 1 to 99</a:t>
-            </a:r>
-          </a:p>
-          <a:p>
-            <a:pPr lvl="2">
-              <a:lnSpc>
-                <a:spcPct val="90000"/>
-              </a:lnSpc>
-            </a:pPr>
-            <a:r>
-              <a:rPr lang="en-US" sz="1800"/>
-              <a:t>Executed strictly in order of decreasing static priority</a:t>
-            </a:r>
-          </a:p>
-          <a:p>
-            <a:pPr lvl="1">
-              <a:lnSpc>
-                <a:spcPct val="90000"/>
-              </a:lnSpc>
-            </a:pPr>
-            <a:r>
-              <a:rPr lang="en-US" sz="2000"/>
-              <a:t>FIFO policy lets a thread run to completion </a:t>
-            </a:r>
-          </a:p>
-          <a:p>
-            <a:pPr lvl="2">
-              <a:lnSpc>
-                <a:spcPct val="90000"/>
-              </a:lnSpc>
-            </a:pPr>
-            <a:r>
-              <a:rPr lang="en-US" sz="1800"/>
-              <a:t>Thread needs to indicate completion by calling the sched-yield( )</a:t>
-            </a:r>
-          </a:p>
-          <a:p>
-            <a:pPr lvl="1">
-              <a:lnSpc>
-                <a:spcPct val="90000"/>
-              </a:lnSpc>
-            </a:pPr>
-            <a:r>
-              <a:rPr lang="en-US" sz="2000"/>
-              <a:t>Round-robin lets threads run for up to one time slice </a:t>
-            </a:r>
-          </a:p>
-          <a:p>
-            <a:pPr lvl="2">
-              <a:lnSpc>
-                <a:spcPct val="90000"/>
-              </a:lnSpc>
-            </a:pPr>
-            <a:r>
-              <a:rPr lang="en-US" sz="1800"/>
-              <a:t>Then switches to the next thread with the same static priority</a:t>
-            </a:r>
-          </a:p>
-          <a:p>
-            <a:pPr lvl="1">
-              <a:lnSpc>
-                <a:spcPct val="90000"/>
-              </a:lnSpc>
-            </a:pPr>
-            <a:r>
-              <a:rPr lang="en-US" sz="2000"/>
-              <a:t>RT threads can easily starve lower-prio threads from executing </a:t>
-            </a:r>
-          </a:p>
-          <a:p>
-            <a:pPr lvl="2">
-              <a:lnSpc>
-                <a:spcPct val="90000"/>
-              </a:lnSpc>
-            </a:pPr>
-            <a:r>
-              <a:rPr lang="en-US" sz="1800"/>
-              <a:t>Root privileges or the CAP-SYS-NICE capability are required for the selection of a real-time scheduling policy</a:t>
-            </a:r>
-          </a:p>
-          <a:p>
-            <a:pPr>
-              <a:lnSpc>
-                <a:spcPct val="80000"/>
-              </a:lnSpc>
-            </a:pPr>
-            <a:r>
-              <a:rPr lang="en-US" sz="2400"/>
-              <a:t>Long running system calls can cause priority-inversion</a:t>
-            </a:r>
-          </a:p>
-          <a:p>
-            <a:pPr lvl="2">
-              <a:lnSpc>
-                <a:spcPct val="80000"/>
-              </a:lnSpc>
-            </a:pPr>
-            <a:r>
-              <a:rPr lang="en-US" sz="1800"/>
-              <a:t>Same as in Windows; but cmp. rtLinux</a:t>
-            </a:r>
-          </a:p>
-        </p:txBody>
-      </p:sp>
-    </p:spTree>
-    <p:extLst>
-      <p:ext uri="{BB962C8B-B14F-4D97-AF65-F5344CB8AC3E}">
-        <p14:creationId xmlns:p14="http://schemas.microsoft.com/office/powerpoint/2010/main" val="1946585085"/>
-      </p:ext>
-    </p:extLst>
-  </p:cSld>
-  <p:clrMapOvr>
-    <a:masterClrMapping/>
-  </p:clrMapOvr>
-  <mc:AlternateContent xmlns:mc="http://schemas.openxmlformats.org/markup-compatibility/2006">
-    <mc:Choice xmlns:p14="http://schemas.microsoft.com/office/powerpoint/2010/main" Requires="p14">
-      <p:transition spd="slow" p14:dur="2000"/>
-    </mc:Choice>
-    <mc:Fallback>
-      <p:transition xmlns:p14="http://schemas.microsoft.com/office/powerpoint/2010/main" spd="slow"/>
-    </mc:Fallback>
-  </mc:AlternateContent>
-  <p:timing>
-    <p:tnLst>
-      <p:par>
-        <p:cTn xmlns:p14="http://schemas.microsoft.com/office/powerpoint/2010/main" id="1" dur="indefinite" restart="never" nodeType="tmRoot"/>
-      </p:par>
-    </p:tnLst>
-  </p:timing>
-</p:sld>
-</file>
-
-<file path=ppt/slides/slide7.xml><?xml version="1.0" encoding="utf-8"?>
-<p:sld xmlns:a="http://schemas.openxmlformats.org/drawingml/2006/main" xmlns:r="http://schemas.openxmlformats.org/officeDocument/2006/relationships" xmlns:p="http://schemas.openxmlformats.org/presentationml/2006/main">
-  <p:cSld>
-    <p:spTree>
-      <p:nvGrpSpPr>
-        <p:cNvPr id="1" name=""/>
-        <p:cNvGrpSpPr/>
-        <p:nvPr/>
-      </p:nvGrpSpPr>
-      <p:grpSpPr>
-        <a:xfrm>
-          <a:off x="0" y="0"/>
-          <a:ext cx="0" cy="0"/>
-          <a:chOff x="0" y="0"/>
-          <a:chExt cx="0" cy="0"/>
-        </a:xfrm>
-      </p:grpSpPr>
-      <p:sp>
-        <p:nvSpPr>
-          <p:cNvPr id="4" name="Slide Number Placeholder 4"/>
-          <p:cNvSpPr>
-            <a:spLocks noGrp="1"/>
-          </p:cNvSpPr>
-          <p:nvPr>
-            <p:ph type="sldNum" sz="quarter" idx="11"/>
-          </p:nvPr>
-        </p:nvSpPr>
-        <p:spPr/>
-        <p:txBody>
-          <a:bodyPr/>
-          <a:lstStyle/>
-          <a:p>
-            <a:fld id="{BD239BFA-2941-7847-BD32-AA7224D4D78F}" type="slidenum">
-              <a:rPr lang="en-GB"/>
-              <a:pPr/>
-              <a:t>7</a:t>
-            </a:fld>
-            <a:endParaRPr lang="en-GB"/>
-          </a:p>
-        </p:txBody>
-      </p:sp>
-      <p:sp>
-        <p:nvSpPr>
-          <p:cNvPr id="486402" name="Rectangle 1026"/>
-          <p:cNvSpPr>
-            <a:spLocks noGrp="1" noChangeArrowheads="1"/>
-          </p:cNvSpPr>
-          <p:nvPr>
-            <p:ph type="title"/>
-          </p:nvPr>
-        </p:nvSpPr>
-        <p:spPr/>
-        <p:txBody>
-          <a:bodyPr/>
-          <a:lstStyle/>
-          <a:p>
-            <a:r>
-              <a:rPr lang="en-US"/>
-              <a:t>Windows Scheduling Details</a:t>
-            </a:r>
-          </a:p>
-        </p:txBody>
-      </p:sp>
-      <p:sp>
-        <p:nvSpPr>
-          <p:cNvPr id="486403" name="Rectangle 1027"/>
-          <p:cNvSpPr>
-            <a:spLocks noGrp="1" noChangeArrowheads="1"/>
-          </p:cNvSpPr>
-          <p:nvPr>
-            <p:ph type="body" idx="1"/>
-          </p:nvPr>
-        </p:nvSpPr>
-        <p:spPr>
-          <a:xfrm>
-            <a:off x="457200" y="1371600"/>
-            <a:ext cx="8229600" cy="4856163"/>
-          </a:xfrm>
-        </p:spPr>
-        <p:txBody>
-          <a:bodyPr/>
-          <a:lstStyle/>
-          <a:p>
-            <a:pPr>
-              <a:lnSpc>
-                <a:spcPct val="90000"/>
-              </a:lnSpc>
-            </a:pPr>
-            <a:r>
-              <a:rPr lang="en-US" sz="2400" dirty="0"/>
-              <a:t>Most threads run in variable priority levels</a:t>
-            </a:r>
-          </a:p>
-          <a:p>
-            <a:pPr lvl="1">
-              <a:lnSpc>
-                <a:spcPct val="90000"/>
-              </a:lnSpc>
-            </a:pPr>
-            <a:r>
-              <a:rPr lang="en-US" sz="2000" dirty="0"/>
-              <a:t>Priorities 1-15; </a:t>
-            </a:r>
-          </a:p>
-          <a:p>
-            <a:pPr lvl="1">
-              <a:lnSpc>
-                <a:spcPct val="90000"/>
-              </a:lnSpc>
-            </a:pPr>
-            <a:r>
-              <a:rPr lang="en-US" sz="2000" dirty="0"/>
-              <a:t>A newly created thread starts with a base priority </a:t>
-            </a:r>
-          </a:p>
-          <a:p>
-            <a:pPr lvl="1">
-              <a:lnSpc>
-                <a:spcPct val="90000"/>
-              </a:lnSpc>
-            </a:pPr>
-            <a:r>
-              <a:rPr lang="en-US" sz="2000" dirty="0"/>
-              <a:t>Threads that complete I/O operations experience priority boosts (but never higher than 15)</a:t>
-            </a:r>
-          </a:p>
-          <a:p>
-            <a:pPr lvl="1">
-              <a:lnSpc>
-                <a:spcPct val="90000"/>
-              </a:lnSpc>
-            </a:pPr>
-            <a:r>
-              <a:rPr lang="en-US" sz="2000" dirty="0"/>
-              <a:t>A thread’s priority will never be below base priority</a:t>
-            </a:r>
-          </a:p>
-          <a:p>
-            <a:r>
-              <a:rPr lang="en-US" sz="2400" dirty="0"/>
-              <a:t>The  Windows API function </a:t>
-            </a:r>
-            <a:r>
-              <a:rPr lang="en-US" sz="2400" dirty="0" err="1"/>
-              <a:t>SetThreadPriority</a:t>
-            </a:r>
-            <a:r>
-              <a:rPr lang="en-US" sz="2400" dirty="0"/>
-              <a:t>() sets the priority value for a specified thread</a:t>
-            </a:r>
-          </a:p>
-          <a:p>
-            <a:pPr lvl="1"/>
-            <a:r>
-              <a:rPr lang="en-US" sz="2000" dirty="0"/>
-              <a:t>This value, together with the priority class of the thread's process, determines the thread's base priority level</a:t>
-            </a:r>
-          </a:p>
-          <a:p>
-            <a:pPr lvl="1"/>
-            <a:r>
-              <a:rPr lang="en-US" sz="2000" dirty="0"/>
-              <a:t>Windows will dynamically adjust priorities for non-</a:t>
-            </a:r>
-            <a:r>
-              <a:rPr lang="en-US" sz="2000" dirty="0" err="1"/>
-              <a:t>realtime</a:t>
-            </a:r>
-            <a:r>
-              <a:rPr lang="en-US" sz="2000" dirty="0"/>
-              <a:t> threads</a:t>
-            </a:r>
-            <a:endParaRPr lang="en-US" sz="1800" dirty="0"/>
-          </a:p>
-        </p:txBody>
-      </p:sp>
-    </p:spTree>
-    <p:extLst>
-      <p:ext uri="{BB962C8B-B14F-4D97-AF65-F5344CB8AC3E}">
-        <p14:creationId xmlns:p14="http://schemas.microsoft.com/office/powerpoint/2010/main" val="3596214048"/>
-      </p:ext>
-    </p:extLst>
-  </p:cSld>
-  <p:clrMapOvr>
-    <a:masterClrMapping/>
-  </p:clrMapOvr>
-  <mc:AlternateContent xmlns:mc="http://schemas.openxmlformats.org/markup-compatibility/2006">
-    <mc:Choice xmlns:p14="http://schemas.microsoft.com/office/powerpoint/2010/main" Requires="p14">
-      <p:transition spd="slow" p14:dur="2000"/>
-    </mc:Choice>
-    <mc:Fallback>
-      <p:transition xmlns:p14="http://schemas.microsoft.com/office/powerpoint/2010/main" spd="slow"/>
-    </mc:Fallback>
-  </mc:AlternateContent>
-  <p:timing>
-    <p:tnLst>
-      <p:par>
-        <p:cTn xmlns:p14="http://schemas.microsoft.com/office/powerpoint/2010/main" id="1" dur="indefinite" restart="never" nodeType="tmRoot"/>
-      </p:par>
-    </p:tnLst>
-  </p:timing>
-</p:sld>
-</file>
-
-<file path=ppt/slides/slide8.xml><?xml version="1.0" encoding="utf-8"?>
-<p:sld xmlns:a="http://schemas.openxmlformats.org/drawingml/2006/main" xmlns:r="http://schemas.openxmlformats.org/officeDocument/2006/relationships" xmlns:p="http://schemas.openxmlformats.org/presentationml/2006/main">
-  <p:cSld>
-    <p:spTree>
-      <p:nvGrpSpPr>
-        <p:cNvPr id="1" name=""/>
-        <p:cNvGrpSpPr/>
-        <p:nvPr/>
-      </p:nvGrpSpPr>
-      <p:grpSpPr>
-        <a:xfrm>
-          <a:off x="0" y="0"/>
-          <a:ext cx="0" cy="0"/>
-          <a:chOff x="0" y="0"/>
-          <a:chExt cx="0" cy="0"/>
-        </a:xfrm>
-      </p:grpSpPr>
-      <p:sp>
-        <p:nvSpPr>
-          <p:cNvPr id="4" name="Slide Number Placeholder 4"/>
-          <p:cNvSpPr>
-            <a:spLocks noGrp="1"/>
-          </p:cNvSpPr>
-          <p:nvPr>
-            <p:ph type="sldNum" sz="quarter" idx="11"/>
-          </p:nvPr>
-        </p:nvSpPr>
-        <p:spPr/>
-        <p:txBody>
-          <a:bodyPr/>
-          <a:lstStyle/>
-          <a:p>
-            <a:fld id="{E7E7BFE5-2C6D-0B45-9D1C-34FE49055F9B}" type="slidenum">
-              <a:rPr lang="en-GB"/>
-              <a:pPr/>
-              <a:t>8</a:t>
-            </a:fld>
-            <a:endParaRPr lang="en-GB"/>
-          </a:p>
-        </p:txBody>
-      </p:sp>
-      <p:sp>
-        <p:nvSpPr>
-          <p:cNvPr id="485378" name="Rectangle 2"/>
-          <p:cNvSpPr>
-            <a:spLocks noGrp="1" noChangeArrowheads="1"/>
-          </p:cNvSpPr>
-          <p:nvPr>
-            <p:ph type="title"/>
-          </p:nvPr>
-        </p:nvSpPr>
-        <p:spPr/>
-        <p:txBody>
-          <a:bodyPr/>
-          <a:lstStyle/>
-          <a:p>
-            <a:r>
-              <a:rPr lang="en-US"/>
-              <a:t>Real-Time Scheduling on Windows</a:t>
-            </a:r>
-          </a:p>
-        </p:txBody>
-      </p:sp>
-      <p:sp>
-        <p:nvSpPr>
-          <p:cNvPr id="485379" name="Rectangle 3"/>
-          <p:cNvSpPr>
-            <a:spLocks noGrp="1" noChangeArrowheads="1"/>
-          </p:cNvSpPr>
-          <p:nvPr>
-            <p:ph type="body" idx="1"/>
-          </p:nvPr>
-        </p:nvSpPr>
-        <p:spPr>
-          <a:xfrm>
-            <a:off x="457200" y="1371600"/>
-            <a:ext cx="8229600" cy="4856163"/>
-          </a:xfrm>
-        </p:spPr>
-        <p:txBody>
-          <a:bodyPr/>
-          <a:lstStyle/>
-          <a:p>
-            <a:r>
-              <a:rPr lang="en-US" sz="2400"/>
-              <a:t>Windows supports static round-robin scheduling policy for threads with priorities in real-time range (16-31)</a:t>
-            </a:r>
-          </a:p>
-          <a:p>
-            <a:pPr lvl="1"/>
-            <a:r>
-              <a:rPr lang="en-US" sz="2000"/>
-              <a:t>Threads run for up to one quantum</a:t>
-            </a:r>
-          </a:p>
-          <a:p>
-            <a:pPr lvl="1"/>
-            <a:r>
-              <a:rPr lang="en-US" sz="2000"/>
-              <a:t>Quantum is reset to full turn on preemption</a:t>
-            </a:r>
-          </a:p>
-          <a:p>
-            <a:pPr lvl="1"/>
-            <a:r>
-              <a:rPr lang="en-US" sz="2000"/>
-              <a:t>Priorities never get boosted</a:t>
-            </a:r>
-          </a:p>
-          <a:p>
-            <a:r>
-              <a:rPr lang="en-US" sz="2400"/>
-              <a:t>RT threads can starve important system services</a:t>
-            </a:r>
-          </a:p>
-          <a:p>
-            <a:pPr lvl="1"/>
-            <a:r>
-              <a:rPr lang="en-US" sz="2000"/>
-              <a:t>Such as CSRSS.EXE</a:t>
-            </a:r>
-          </a:p>
-          <a:p>
-            <a:pPr lvl="1"/>
-            <a:r>
-              <a:rPr lang="en-US" sz="2000"/>
-              <a:t>SeIncreaseBasePriorityPrivilege required to elevate a thread’s priority into real-time range (this privilege is assigned to members of Administrators group)</a:t>
-            </a:r>
-            <a:endParaRPr lang="en-US">
-              <a:latin typeface="Verdana" charset="0"/>
-            </a:endParaRPr>
-          </a:p>
-          <a:p>
-            <a:r>
-              <a:rPr lang="en-US" sz="2400"/>
-              <a:t>System calls and DPC/APC handling can cause priority inversion</a:t>
-            </a:r>
-          </a:p>
-        </p:txBody>
-      </p:sp>
-    </p:spTree>
-    <p:extLst>
-      <p:ext uri="{BB962C8B-B14F-4D97-AF65-F5344CB8AC3E}">
-        <p14:creationId xmlns:p14="http://schemas.microsoft.com/office/powerpoint/2010/main" val="1566659836"/>
-      </p:ext>
-    </p:extLst>
-  </p:cSld>
-  <p:clrMapOvr>
-    <a:masterClrMapping/>
-  </p:clrMapOvr>
-  <mc:AlternateContent xmlns:mc="http://schemas.openxmlformats.org/markup-compatibility/2006">
-    <mc:Choice xmlns:p14="http://schemas.microsoft.com/office/powerpoint/2010/main" Requires="p14">
-      <p:transition spd="slow" p14:dur="2000"/>
-    </mc:Choice>
-    <mc:Fallback>
-      <p:transition xmlns:p14="http://schemas.microsoft.com/office/powerpoint/2010/main" spd="slow"/>
-    </mc:Fallback>
-  </mc:AlternateContent>
-  <p:timing>
-    <p:tnLst>
-      <p:par>
-        <p:cTn xmlns:p14="http://schemas.microsoft.com/office/powerpoint/2010/main" id="1" dur="indefinite" restart="never" nodeType="tmRoot"/>
-      </p:par>
-    </p:tnLst>
-  </p:timing>
-</p:sld>
-</file>
-
-<file path=ppt/slides/slide9.xml><?xml version="1.0" encoding="utf-8"?>
-<p:sld xmlns:a="http://schemas.openxmlformats.org/drawingml/2006/main" xmlns:r="http://schemas.openxmlformats.org/officeDocument/2006/relationships" xmlns:p="http://schemas.openxmlformats.org/presentationml/2006/main">
-  <p:cSld>
-    <p:spTree>
-      <p:nvGrpSpPr>
-        <p:cNvPr id="1" name=""/>
-        <p:cNvGrpSpPr/>
-        <p:nvPr/>
-      </p:nvGrpSpPr>
-      <p:grpSpPr>
-        <a:xfrm>
-          <a:off x="0" y="0"/>
-          <a:ext cx="0" cy="0"/>
-          <a:chOff x="0" y="0"/>
-          <a:chExt cx="0" cy="0"/>
-        </a:xfrm>
-      </p:grpSpPr>
-      <p:sp>
-        <p:nvSpPr>
           <p:cNvPr id="20" name="Slide Number Placeholder 4"/>
           <p:cNvSpPr>
             <a:spLocks noGrp="1"/>
@@ -8855,7 +7670,7 @@
             <a:fld id="{9C9B1318-2050-E645-8AA4-FBE213CE0DC6}" type="slidenum">
               <a:rPr lang="en-GB"/>
               <a:pPr/>
-              <a:t>9</a:t>
+              <a:t>6</a:t>
             </a:fld>
             <a:endParaRPr lang="en-GB"/>
           </a:p>
@@ -8917,7 +7732,7 @@
               <a:buNone/>
             </a:pPr>
             <a:r>
-              <a:rPr lang="en-US" sz="2400">
+              <a:rPr lang="en-US" sz="2400" dirty="0">
                 <a:solidFill>
                   <a:srgbClr val="FF9933"/>
                 </a:solidFill>
@@ -8927,21 +7742,37 @@
           </a:p>
           <a:p>
             <a:r>
-              <a:rPr lang="en-US" sz="2400"/>
-              <a:t>The thread timeslice (quantum) is 10ms-120ms</a:t>
+              <a:rPr lang="en-US" sz="2400" dirty="0"/>
+              <a:t>The thread </a:t>
+            </a:r>
+            <a:r>
+              <a:rPr lang="en-US" sz="2400" dirty="0" err="1"/>
+              <a:t>timeslice</a:t>
+            </a:r>
+            <a:r>
+              <a:rPr lang="en-US" sz="2400" dirty="0"/>
+              <a:t> (quantum) is 10ms-120ms</a:t>
             </a:r>
           </a:p>
           <a:p>
             <a:pPr lvl="1"/>
             <a:r>
-              <a:rPr lang="en-US" sz="2000"/>
+              <a:rPr lang="en-US" sz="2000" dirty="0"/>
               <a:t>When quanta can vary, has one of 2 values</a:t>
             </a:r>
           </a:p>
           <a:p>
             <a:r>
-              <a:rPr lang="en-US" sz="2400"/>
-              <a:t>Reentrant and preemptible  </a:t>
+              <a:rPr lang="en-US" sz="2400" dirty="0"/>
+              <a:t>Reentrant and </a:t>
+            </a:r>
+            <a:r>
+              <a:rPr lang="en-US" sz="2400" dirty="0" err="1"/>
+              <a:t>preemptible</a:t>
+            </a:r>
+            <a:r>
+              <a:rPr lang="en-US" sz="2400" dirty="0"/>
+              <a:t>  </a:t>
             </a:r>
           </a:p>
         </p:txBody>
@@ -9368,18 +8199,23 @@
                 <a:buSzPct val="110000"/>
               </a:pPr>
               <a:r>
-                <a:rPr lang="en-US" sz="2400">
+                <a:rPr lang="en-US" sz="2400" dirty="0" smtClean="0">
                   <a:solidFill>
                     <a:srgbClr val="FF9933"/>
                   </a:solidFill>
-                  <a:effectLst>
-                    <a:outerShdw blurRad="38100" dist="38100" dir="2700000" algn="tl">
-                      <a:srgbClr val="000000"/>
-                    </a:outerShdw>
-                  </a:effectLst>
                 </a:rPr>
                 <a:t>Linux</a:t>
               </a:r>
+              <a:endParaRPr lang="en-US" sz="2400" dirty="0">
+                <a:solidFill>
+                  <a:srgbClr val="FF9933"/>
+                </a:solidFill>
+                <a:effectLst>
+                  <a:outerShdw blurRad="38100" dist="38100" dir="2700000" algn="tl">
+                    <a:srgbClr val="000000"/>
+                  </a:outerShdw>
+                </a:effectLst>
+              </a:endParaRPr>
             </a:p>
             <a:p>
               <a:pPr marL="357188" indent="-357188">
@@ -9390,24 +8226,20 @@
                   <a:spcPct val="20000"/>
                 </a:spcAft>
                 <a:buSzPct val="110000"/>
-                <a:buFontTx/>
-                <a:buBlip>
-                  <a:blip r:embed="rId3"/>
-                </a:buBlip>
+                <a:buFont typeface="Arial"/>
+                <a:buChar char="•"/>
               </a:pPr>
               <a:r>
-                <a:rPr lang="en-US" sz="2400">
-                  <a:effectLst>
-                    <a:outerShdw blurRad="38100" dist="38100" dir="2700000" algn="tl">
-                      <a:srgbClr val="000000"/>
-                    </a:outerShdw>
-                  </a:effectLst>
-                </a:rPr>
-                <a:t>The thread quantum is 10ms-200ms</a:t>
+                <a:rPr lang="en-US" sz="2400" dirty="0"/>
+                <a:t>The thread quantum is 10ms-</a:t>
+              </a:r>
+              <a:r>
+                <a:rPr lang="en-US" sz="2400" dirty="0" smtClean="0"/>
+                <a:t>200ms</a:t>
               </a:r>
             </a:p>
             <a:p>
-              <a:pPr marL="987425" lvl="1" indent="-361950">
+              <a:pPr marL="742950" lvl="1" indent="-285750">
                 <a:spcBef>
                   <a:spcPct val="20000"/>
                 </a:spcBef>
@@ -9415,24 +8247,20 @@
                   <a:spcPct val="20000"/>
                 </a:spcAft>
                 <a:buSzPct val="110000"/>
-                <a:buFontTx/>
-                <a:buBlip>
-                  <a:blip r:embed="rId3"/>
-                </a:buBlip>
+                <a:buFont typeface="Arial"/>
+                <a:buChar char="–"/>
               </a:pPr>
               <a:r>
-                <a:rPr lang="en-US">
-                  <a:effectLst>
-                    <a:outerShdw blurRad="38100" dist="38100" dir="2700000" algn="tl">
-                      <a:srgbClr val="000000"/>
-                    </a:outerShdw>
-                  </a:effectLst>
-                </a:rPr>
-                <a:t>Default is 100ms</a:t>
+                <a:rPr lang="en-US" sz="2000" dirty="0"/>
+                <a:t>Default </a:t>
+              </a:r>
+              <a:r>
+                <a:rPr lang="en-US" sz="2000" dirty="0"/>
+                <a:t>is 100ms</a:t>
               </a:r>
             </a:p>
             <a:p>
-              <a:pPr marL="987425" lvl="1" indent="-361950">
+              <a:pPr marL="742950" lvl="1" indent="-285750">
                 <a:spcBef>
                   <a:spcPct val="20000"/>
                 </a:spcBef>
@@ -9440,34 +8268,13 @@
                   <a:spcPct val="20000"/>
                 </a:spcAft>
                 <a:buSzPct val="110000"/>
-                <a:buFontTx/>
-                <a:buBlip>
-                  <a:blip r:embed="rId3"/>
-                </a:buBlip>
+                <a:buFont typeface="Arial"/>
+                <a:buChar char="–"/>
               </a:pPr>
               <a:r>
-                <a:rPr lang="en-US">
-                  <a:solidFill>
-                    <a:srgbClr val="FF9933"/>
-                  </a:solidFill>
-                  <a:effectLst>
-                    <a:outerShdw blurRad="38100" dist="38100" dir="2700000" algn="tl">
-                      <a:srgbClr val="000000"/>
-                    </a:outerShdw>
-                  </a:effectLst>
-                </a:rPr>
+                <a:rPr lang="en-US" sz="2000" dirty="0"/>
                 <a:t>Varies across entire range based on priority, which is based on interactivity level</a:t>
               </a:r>
-              <a:endParaRPr lang="en-US" sz="1600">
-                <a:solidFill>
-                  <a:srgbClr val="FF9933"/>
-                </a:solidFill>
-                <a:effectLst>
-                  <a:outerShdw blurRad="38100" dist="38100" dir="2700000" algn="tl">
-                    <a:srgbClr val="000000"/>
-                  </a:outerShdw>
-                </a:effectLst>
-              </a:endParaRPr>
             </a:p>
             <a:p>
               <a:pPr marL="357188" indent="-357188">
@@ -9481,20 +8288,20 @@
                   <a:spcPct val="20000"/>
                 </a:spcAft>
                 <a:buSzPct val="110000"/>
-                <a:buFontTx/>
-                <a:buBlip>
-                  <a:blip r:embed="rId3"/>
-                </a:buBlip>
+                <a:buFont typeface="Arial"/>
+                <a:buChar char="•"/>
               </a:pPr>
               <a:r>
-                <a:rPr lang="en-US" sz="2400">
-                  <a:effectLst>
-                    <a:outerShdw blurRad="38100" dist="38100" dir="2700000" algn="tl">
-                      <a:srgbClr val="000000"/>
-                    </a:outerShdw>
-                  </a:effectLst>
-                </a:rPr>
-                <a:t>Reentrant and preemptible </a:t>
+                <a:rPr lang="en-US" sz="2400" dirty="0"/>
+                <a:t>Reentrant and </a:t>
+              </a:r>
+              <a:r>
+                <a:rPr lang="en-US" sz="2400" dirty="0" err="1"/>
+                <a:t>preemptible</a:t>
+              </a:r>
+              <a:r>
+                <a:rPr lang="en-US" sz="2400" dirty="0"/>
+                <a:t> </a:t>
               </a:r>
             </a:p>
           </p:txBody>
@@ -9957,11 +8764,11 @@
   <p:clrMapOvr>
     <a:masterClrMapping/>
   </p:clrMapOvr>
-  <mc:AlternateContent xmlns:mc="http://schemas.openxmlformats.org/markup-compatibility/2006">
-    <mc:Choice xmlns:p14="http://schemas.microsoft.com/office/powerpoint/2010/main" Requires="p14">
+  <mc:AlternateContent xmlns:mc="http://schemas.openxmlformats.org/markup-compatibility/2006" xmlns:p14="http://schemas.microsoft.com/office/powerpoint/2010/main">
+    <mc:Choice Requires="p14">
       <p:transition spd="slow" p14:dur="2000"/>
     </mc:Choice>
-    <mc:Fallback>
+    <mc:Fallback xmlns="">
       <p:transition xmlns:p14="http://schemas.microsoft.com/office/powerpoint/2010/main" spd="slow"/>
     </mc:Fallback>
   </mc:AlternateContent>
@@ -10083,6 +8890,787 @@
             </p:seq>
           </p:childTnLst>
         </p:cTn>
+      </p:par>
+    </p:tnLst>
+  </p:timing>
+</p:sld>
+</file>
+
+<file path=ppt/slides/slide7.xml><?xml version="1.0" encoding="utf-8"?>
+<p:sld xmlns:a="http://schemas.openxmlformats.org/drawingml/2006/main" xmlns:r="http://schemas.openxmlformats.org/officeDocument/2006/relationships" xmlns:p="http://schemas.openxmlformats.org/presentationml/2006/main">
+  <p:cSld>
+    <p:spTree>
+      <p:nvGrpSpPr>
+        <p:cNvPr id="1" name=""/>
+        <p:cNvGrpSpPr/>
+        <p:nvPr/>
+      </p:nvGrpSpPr>
+      <p:grpSpPr>
+        <a:xfrm>
+          <a:off x="0" y="0"/>
+          <a:ext cx="0" cy="0"/>
+          <a:chOff x="0" y="0"/>
+          <a:chExt cx="0" cy="0"/>
+        </a:xfrm>
+      </p:grpSpPr>
+      <p:sp>
+        <p:nvSpPr>
+          <p:cNvPr id="5" name="Slide Number Placeholder 4"/>
+          <p:cNvSpPr>
+            <a:spLocks noGrp="1"/>
+          </p:cNvSpPr>
+          <p:nvPr>
+            <p:ph type="sldNum" sz="quarter" idx="11"/>
+          </p:nvPr>
+        </p:nvSpPr>
+        <p:spPr/>
+        <p:txBody>
+          <a:bodyPr/>
+          <a:lstStyle/>
+          <a:p>
+            <a:fld id="{40C40BD7-E18B-5C4E-B1EA-FA08CBF24F05}" type="slidenum">
+              <a:rPr lang="en-GB"/>
+              <a:pPr/>
+              <a:t>7</a:t>
+            </a:fld>
+            <a:endParaRPr lang="en-GB"/>
+          </a:p>
+        </p:txBody>
+      </p:sp>
+      <p:sp>
+        <p:nvSpPr>
+          <p:cNvPr id="419842" name="Rectangle 2"/>
+          <p:cNvSpPr>
+            <a:spLocks noGrp="1" noChangeArrowheads="1"/>
+          </p:cNvSpPr>
+          <p:nvPr>
+            <p:ph type="title"/>
+          </p:nvPr>
+        </p:nvSpPr>
+        <p:spPr>
+          <a:xfrm>
+            <a:off x="457200" y="220663"/>
+            <a:ext cx="8229600" cy="714375"/>
+          </a:xfrm>
+        </p:spPr>
+        <p:txBody>
+          <a:bodyPr>
+            <a:normAutofit fontScale="90000"/>
+          </a:bodyPr>
+          <a:lstStyle/>
+          <a:p>
+            <a:r>
+              <a:rPr lang="en-US"/>
+              <a:t>Security</a:t>
+            </a:r>
+          </a:p>
+        </p:txBody>
+      </p:sp>
+      <p:sp>
+        <p:nvSpPr>
+          <p:cNvPr id="419843" name="Rectangle 3"/>
+          <p:cNvSpPr>
+            <a:spLocks noGrp="1" noChangeArrowheads="1"/>
+          </p:cNvSpPr>
+          <p:nvPr>
+            <p:ph type="body" idx="1"/>
+          </p:nvPr>
+        </p:nvSpPr>
+        <p:spPr>
+          <a:xfrm>
+            <a:off x="457200" y="981075"/>
+            <a:ext cx="4095750" cy="5459413"/>
+          </a:xfrm>
+          <a:noFill/>
+          <a:ln/>
+        </p:spPr>
+        <p:txBody>
+          <a:bodyPr/>
+          <a:lstStyle/>
+          <a:p>
+            <a:pPr>
+              <a:lnSpc>
+                <a:spcPct val="80000"/>
+              </a:lnSpc>
+              <a:buFontTx/>
+              <a:buNone/>
+            </a:pPr>
+            <a:r>
+              <a:rPr lang="en-US" sz="2000" dirty="0">
+                <a:solidFill>
+                  <a:srgbClr val="FF9933"/>
+                </a:solidFill>
+              </a:rPr>
+              <a:t>Windows</a:t>
+            </a:r>
+          </a:p>
+          <a:p>
+            <a:pPr>
+              <a:lnSpc>
+                <a:spcPct val="80000"/>
+              </a:lnSpc>
+            </a:pPr>
+            <a:r>
+              <a:rPr lang="en-US" sz="1600" dirty="0"/>
+              <a:t>Very flexible security model based on Access Control Lists</a:t>
+            </a:r>
+          </a:p>
+          <a:p>
+            <a:pPr>
+              <a:lnSpc>
+                <a:spcPct val="80000"/>
+              </a:lnSpc>
+            </a:pPr>
+            <a:r>
+              <a:rPr lang="en-US" sz="1600" dirty="0"/>
+              <a:t>Users are defined with</a:t>
+            </a:r>
+          </a:p>
+          <a:p>
+            <a:pPr lvl="1">
+              <a:lnSpc>
+                <a:spcPct val="80000"/>
+              </a:lnSpc>
+            </a:pPr>
+            <a:r>
+              <a:rPr lang="en-US" sz="1400" dirty="0"/>
+              <a:t>Privileges</a:t>
+            </a:r>
+          </a:p>
+          <a:p>
+            <a:pPr lvl="1">
+              <a:lnSpc>
+                <a:spcPct val="80000"/>
+              </a:lnSpc>
+            </a:pPr>
+            <a:r>
+              <a:rPr lang="en-US" sz="1400" dirty="0"/>
+              <a:t>Member groups</a:t>
+            </a:r>
+          </a:p>
+          <a:p>
+            <a:pPr>
+              <a:lnSpc>
+                <a:spcPct val="80000"/>
+              </a:lnSpc>
+            </a:pPr>
+            <a:r>
+              <a:rPr lang="en-US" sz="1600" dirty="0"/>
+              <a:t>Security can be applied to any Object Manager object</a:t>
+            </a:r>
+          </a:p>
+          <a:p>
+            <a:pPr lvl="1">
+              <a:lnSpc>
+                <a:spcPct val="80000"/>
+              </a:lnSpc>
+            </a:pPr>
+            <a:r>
+              <a:rPr lang="en-US" sz="1400" dirty="0"/>
+              <a:t>Files, processes, synchronization objects, …</a:t>
+            </a:r>
+          </a:p>
+          <a:p>
+            <a:pPr>
+              <a:lnSpc>
+                <a:spcPct val="80000"/>
+              </a:lnSpc>
+            </a:pPr>
+            <a:r>
+              <a:rPr lang="en-US" sz="1600" dirty="0"/>
+              <a:t>Supports auditing</a:t>
+            </a:r>
+          </a:p>
+        </p:txBody>
+      </p:sp>
+      <p:sp>
+        <p:nvSpPr>
+          <p:cNvPr id="419844" name="Rectangle 4"/>
+          <p:cNvSpPr>
+            <a:spLocks noChangeArrowheads="1"/>
+          </p:cNvSpPr>
+          <p:nvPr/>
+        </p:nvSpPr>
+        <p:spPr bwMode="auto">
+          <a:xfrm>
+            <a:off x="4743450" y="981075"/>
+            <a:ext cx="4095750" cy="5518150"/>
+          </a:xfrm>
+          <a:prstGeom prst="rect">
+            <a:avLst/>
+          </a:prstGeom>
+          <a:noFill/>
+          <a:ln>
+            <a:noFill/>
+          </a:ln>
+          <a:effectLst/>
+          <a:extLst>
+            <a:ext uri="{909E8E84-426E-40dd-AFC4-6F175D3DCCD1}">
+              <a14:hiddenFill xmlns:a14="http://schemas.microsoft.com/office/drawing/2010/main">
+                <a:solidFill>
+                  <a:schemeClr val="accent1"/>
+                </a:solidFill>
+              </a14:hiddenFill>
+            </a:ext>
+            <a:ext uri="{91240B29-F687-4f45-9708-019B960494DF}">
+              <a14:hiddenLine xmlns:a14="http://schemas.microsoft.com/office/drawing/2010/main" w="9525">
+                <a:solidFill>
+                  <a:schemeClr val="tx1"/>
+                </a:solidFill>
+                <a:miter lim="800000"/>
+                <a:headEnd/>
+                <a:tailEnd/>
+              </a14:hiddenLine>
+            </a:ext>
+            <a:ext uri="{AF507438-7753-43e0-B8FC-AC1667EBCBE1}">
+              <a14:hiddenEffects xmlns:a14="http://schemas.microsoft.com/office/drawing/2010/main">
+                <a:effectLst>
+                  <a:outerShdw blurRad="63500" dist="38099" dir="2700000" algn="ctr" rotWithShape="0">
+                    <a:schemeClr val="bg2">
+                      <a:alpha val="74998"/>
+                    </a:schemeClr>
+                  </a:outerShdw>
+                </a:effectLst>
+              </a14:hiddenEffects>
+            </a:ext>
+          </a:extLst>
+        </p:spPr>
+        <p:txBody>
+          <a:bodyPr/>
+          <a:lstStyle/>
+          <a:p>
+            <a:pPr marL="357188" indent="-357188">
+              <a:lnSpc>
+                <a:spcPct val="70000"/>
+              </a:lnSpc>
+              <a:spcBef>
+                <a:spcPct val="20000"/>
+              </a:spcBef>
+              <a:spcAft>
+                <a:spcPct val="20000"/>
+              </a:spcAft>
+              <a:buSzPct val="110000"/>
+            </a:pPr>
+            <a:r>
+              <a:rPr lang="en-US" dirty="0">
+                <a:solidFill>
+                  <a:srgbClr val="FF9933"/>
+                </a:solidFill>
+                <a:effectLst>
+                  <a:outerShdw blurRad="38100" dist="38100" dir="2700000" algn="tl">
+                    <a:srgbClr val="000000"/>
+                  </a:outerShdw>
+                </a:effectLst>
+              </a:rPr>
+              <a:t>Linux</a:t>
+            </a:r>
+          </a:p>
+          <a:p>
+            <a:pPr marL="285750" indent="-285750">
+              <a:lnSpc>
+                <a:spcPct val="80000"/>
+              </a:lnSpc>
+              <a:spcBef>
+                <a:spcPct val="20000"/>
+              </a:spcBef>
+              <a:spcAft>
+                <a:spcPct val="20000"/>
+              </a:spcAft>
+              <a:buSzPct val="110000"/>
+              <a:buFont typeface="Arial"/>
+              <a:buChar char="•"/>
+            </a:pPr>
+            <a:r>
+              <a:rPr lang="en-US" sz="1600" dirty="0"/>
+              <a:t>Two models: </a:t>
+            </a:r>
+            <a:endParaRPr lang="en-US" sz="1600" dirty="0" smtClean="0"/>
+          </a:p>
+          <a:p>
+            <a:pPr marL="742950" lvl="1" indent="-285750">
+              <a:lnSpc>
+                <a:spcPct val="80000"/>
+              </a:lnSpc>
+              <a:spcBef>
+                <a:spcPct val="20000"/>
+              </a:spcBef>
+              <a:spcAft>
+                <a:spcPct val="20000"/>
+              </a:spcAft>
+              <a:buSzPct val="110000"/>
+              <a:buFont typeface="Arial"/>
+              <a:buChar char="–"/>
+            </a:pPr>
+            <a:r>
+              <a:rPr lang="en-US" sz="1400" dirty="0"/>
+              <a:t>Standard </a:t>
+            </a:r>
+            <a:r>
+              <a:rPr lang="en-US" sz="1400" dirty="0"/>
+              <a:t>UNIX </a:t>
+            </a:r>
+            <a:r>
+              <a:rPr lang="en-US" sz="1400" dirty="0"/>
+              <a:t>model</a:t>
+            </a:r>
+          </a:p>
+          <a:p>
+            <a:pPr marL="742950" lvl="1" indent="-285750">
+              <a:lnSpc>
+                <a:spcPct val="80000"/>
+              </a:lnSpc>
+              <a:spcBef>
+                <a:spcPct val="20000"/>
+              </a:spcBef>
+              <a:spcAft>
+                <a:spcPct val="20000"/>
+              </a:spcAft>
+              <a:buSzPct val="110000"/>
+              <a:buFont typeface="Arial"/>
+              <a:buChar char="–"/>
+            </a:pPr>
+            <a:r>
+              <a:rPr lang="en-US" sz="1400" dirty="0"/>
+              <a:t>Access </a:t>
+            </a:r>
+            <a:r>
+              <a:rPr lang="en-US" sz="1400" dirty="0"/>
+              <a:t>Control Lists (</a:t>
+            </a:r>
+            <a:r>
+              <a:rPr lang="en-US" sz="1400" dirty="0" err="1"/>
+              <a:t>SELinux</a:t>
+            </a:r>
+            <a:r>
+              <a:rPr lang="en-US" sz="1400" dirty="0"/>
+              <a:t>)</a:t>
+            </a:r>
+          </a:p>
+          <a:p>
+            <a:pPr marL="285750" indent="-285750">
+              <a:lnSpc>
+                <a:spcPct val="80000"/>
+              </a:lnSpc>
+              <a:spcBef>
+                <a:spcPct val="20000"/>
+              </a:spcBef>
+              <a:spcAft>
+                <a:spcPct val="20000"/>
+              </a:spcAft>
+              <a:buSzPct val="110000"/>
+              <a:buFont typeface="Arial"/>
+              <a:buChar char="•"/>
+            </a:pPr>
+            <a:r>
+              <a:rPr lang="en-US" sz="1600" dirty="0"/>
+              <a:t>Users are </a:t>
+            </a:r>
+            <a:r>
+              <a:rPr lang="en-US" sz="1600" dirty="0" smtClean="0"/>
+              <a:t>defined with:</a:t>
+            </a:r>
+          </a:p>
+          <a:p>
+            <a:pPr marL="742950" lvl="1" indent="-285750">
+              <a:lnSpc>
+                <a:spcPct val="80000"/>
+              </a:lnSpc>
+              <a:spcBef>
+                <a:spcPct val="20000"/>
+              </a:spcBef>
+              <a:spcAft>
+                <a:spcPct val="20000"/>
+              </a:spcAft>
+              <a:buSzPct val="110000"/>
+              <a:buFont typeface="Arial"/>
+              <a:buChar char="–"/>
+            </a:pPr>
+            <a:r>
+              <a:rPr lang="en-US" sz="1400" dirty="0"/>
+              <a:t>Capabilities </a:t>
+            </a:r>
+            <a:r>
+              <a:rPr lang="en-US" sz="1400" dirty="0"/>
+              <a:t>(privileges</a:t>
+            </a:r>
+            <a:r>
+              <a:rPr lang="en-US" sz="1400" dirty="0"/>
+              <a:t>)</a:t>
+            </a:r>
+          </a:p>
+          <a:p>
+            <a:pPr marL="742950" lvl="1" indent="-285750">
+              <a:lnSpc>
+                <a:spcPct val="80000"/>
+              </a:lnSpc>
+              <a:spcBef>
+                <a:spcPct val="20000"/>
+              </a:spcBef>
+              <a:spcAft>
+                <a:spcPct val="20000"/>
+              </a:spcAft>
+              <a:buSzPct val="110000"/>
+              <a:buFont typeface="Arial"/>
+              <a:buChar char="–"/>
+            </a:pPr>
+            <a:r>
+              <a:rPr lang="en-US" sz="1400" dirty="0"/>
+              <a:t>Member </a:t>
+            </a:r>
+            <a:r>
+              <a:rPr lang="en-US" sz="1400" dirty="0"/>
+              <a:t>groups</a:t>
+            </a:r>
+          </a:p>
+          <a:p>
+            <a:pPr marL="285750" indent="-285750">
+              <a:lnSpc>
+                <a:spcPct val="80000"/>
+              </a:lnSpc>
+              <a:spcBef>
+                <a:spcPct val="20000"/>
+              </a:spcBef>
+              <a:spcAft>
+                <a:spcPct val="20000"/>
+              </a:spcAft>
+              <a:buSzPct val="110000"/>
+              <a:buFont typeface="Arial"/>
+              <a:buChar char="•"/>
+            </a:pPr>
+            <a:r>
+              <a:rPr lang="en-US" sz="1600" dirty="0"/>
+              <a:t>Security is implemented on an object-by-object basis</a:t>
+            </a:r>
+          </a:p>
+          <a:p>
+            <a:pPr marL="285750" indent="-285750">
+              <a:lnSpc>
+                <a:spcPct val="80000"/>
+              </a:lnSpc>
+              <a:spcBef>
+                <a:spcPct val="20000"/>
+              </a:spcBef>
+              <a:spcAft>
+                <a:spcPct val="20000"/>
+              </a:spcAft>
+              <a:buSzPct val="110000"/>
+              <a:buFont typeface="Arial"/>
+              <a:buChar char="•"/>
+            </a:pPr>
+            <a:r>
+              <a:rPr lang="en-US" sz="1600" dirty="0"/>
+              <a:t>Has no built-in auditing </a:t>
+            </a:r>
+            <a:r>
+              <a:rPr lang="en-US" sz="1600" dirty="0" smtClean="0"/>
+              <a:t>support</a:t>
+            </a:r>
+            <a:endParaRPr lang="en-US" sz="1600" dirty="0"/>
+          </a:p>
+        </p:txBody>
+      </p:sp>
+    </p:spTree>
+    <p:extLst>
+      <p:ext uri="{BB962C8B-B14F-4D97-AF65-F5344CB8AC3E}">
+        <p14:creationId xmlns:p14="http://schemas.microsoft.com/office/powerpoint/2010/main" val="3417280583"/>
+      </p:ext>
+    </p:extLst>
+  </p:cSld>
+  <p:clrMapOvr>
+    <a:masterClrMapping/>
+  </p:clrMapOvr>
+  <mc:AlternateContent xmlns:mc="http://schemas.openxmlformats.org/markup-compatibility/2006" xmlns:p14="http://schemas.microsoft.com/office/powerpoint/2010/main">
+    <mc:Choice Requires="p14">
+      <p:transition spd="slow" p14:dur="2000"/>
+    </mc:Choice>
+    <mc:Fallback xmlns="">
+      <p:transition xmlns:p14="http://schemas.microsoft.com/office/powerpoint/2010/main" spd="slow"/>
+    </mc:Fallback>
+  </mc:AlternateContent>
+  <p:timing>
+    <p:tnLst>
+      <p:par>
+        <p:cTn xmlns:p14="http://schemas.microsoft.com/office/powerpoint/2010/main" id="1" dur="indefinite" restart="never" nodeType="tmRoot">
+          <p:childTnLst>
+            <p:seq concurrent="1" nextAc="seek">
+              <p:cTn id="2" dur="indefinite" nodeType="mainSeq">
+                <p:childTnLst>
+                  <p:par>
+                    <p:cTn id="3" fill="hold" nodeType="clickPar">
+                      <p:stCondLst>
+                        <p:cond delay="indefinite"/>
+                      </p:stCondLst>
+                      <p:childTnLst>
+                        <p:par>
+                          <p:cTn id="4" fill="hold" nodeType="withGroup">
+                            <p:stCondLst>
+                              <p:cond delay="0"/>
+                            </p:stCondLst>
+                            <p:childTnLst>
+                              <p:par>
+                                <p:cTn id="5" presetID="2" presetClass="entr" presetSubtype="2" fill="hold" grpId="0" nodeType="clickEffect">
+                                  <p:stCondLst>
+                                    <p:cond delay="0"/>
+                                  </p:stCondLst>
+                                  <p:childTnLst>
+                                    <p:set>
+                                      <p:cBhvr>
+                                        <p:cTn id="6" dur="1" fill="hold">
+                                          <p:stCondLst>
+                                            <p:cond delay="0"/>
+                                          </p:stCondLst>
+                                        </p:cTn>
+                                        <p:tgtEl>
+                                          <p:spTgt spid="419844"/>
+                                        </p:tgtEl>
+                                        <p:attrNameLst>
+                                          <p:attrName>style.visibility</p:attrName>
+                                        </p:attrNameLst>
+                                      </p:cBhvr>
+                                      <p:to>
+                                        <p:strVal val="visible"/>
+                                      </p:to>
+                                    </p:set>
+                                    <p:anim calcmode="lin" valueType="num">
+                                      <p:cBhvr additive="base">
+                                        <p:cTn id="7" dur="500" fill="hold"/>
+                                        <p:tgtEl>
+                                          <p:spTgt spid="419844"/>
+                                        </p:tgtEl>
+                                        <p:attrNameLst>
+                                          <p:attrName>ppt_x</p:attrName>
+                                        </p:attrNameLst>
+                                      </p:cBhvr>
+                                      <p:tavLst>
+                                        <p:tav tm="0">
+                                          <p:val>
+                                            <p:strVal val="1+#ppt_w/2"/>
+                                          </p:val>
+                                        </p:tav>
+                                        <p:tav tm="100000">
+                                          <p:val>
+                                            <p:strVal val="#ppt_x"/>
+                                          </p:val>
+                                        </p:tav>
+                                      </p:tavLst>
+                                    </p:anim>
+                                    <p:anim calcmode="lin" valueType="num">
+                                      <p:cBhvr additive="base">
+                                        <p:cTn id="8" dur="500" fill="hold"/>
+                                        <p:tgtEl>
+                                          <p:spTgt spid="419844"/>
+                                        </p:tgtEl>
+                                        <p:attrNameLst>
+                                          <p:attrName>ppt_y</p:attrName>
+                                        </p:attrNameLst>
+                                      </p:cBhvr>
+                                      <p:tavLst>
+                                        <p:tav tm="0">
+                                          <p:val>
+                                            <p:strVal val="#ppt_y"/>
+                                          </p:val>
+                                        </p:tav>
+                                        <p:tav tm="100000">
+                                          <p:val>
+                                            <p:strVal val="#ppt_y"/>
+                                          </p:val>
+                                        </p:tav>
+                                      </p:tavLst>
+                                    </p:anim>
+                                  </p:childTnLst>
+                                </p:cTn>
+                              </p:par>
+                            </p:childTnLst>
+                          </p:cTn>
+                        </p:par>
+                      </p:childTnLst>
+                    </p:cTn>
+                  </p:par>
+                </p:childTnLst>
+              </p:cTn>
+              <p:prevCondLst>
+                <p:cond evt="onPrev" delay="0">
+                  <p:tgtEl>
+                    <p:sldTgt/>
+                  </p:tgtEl>
+                </p:cond>
+              </p:prevCondLst>
+              <p:nextCondLst>
+                <p:cond evt="onNext" delay="0">
+                  <p:tgtEl>
+                    <p:sldTgt/>
+                  </p:tgtEl>
+                </p:cond>
+              </p:nextCondLst>
+            </p:seq>
+          </p:childTnLst>
+        </p:cTn>
+      </p:par>
+    </p:tnLst>
+    <p:bldLst>
+      <p:bldP spid="419844" grpId="0" autoUpdateAnimBg="0"/>
+    </p:bldLst>
+  </p:timing>
+</p:sld>
+</file>
+
+<file path=ppt/slides/slide8.xml><?xml version="1.0" encoding="utf-8"?>
+<p:sld xmlns:a="http://schemas.openxmlformats.org/drawingml/2006/main" xmlns:r="http://schemas.openxmlformats.org/officeDocument/2006/relationships" xmlns:p="http://schemas.openxmlformats.org/presentationml/2006/main">
+  <p:cSld>
+    <p:spTree>
+      <p:nvGrpSpPr>
+        <p:cNvPr id="1" name=""/>
+        <p:cNvGrpSpPr/>
+        <p:nvPr/>
+      </p:nvGrpSpPr>
+      <p:grpSpPr>
+        <a:xfrm>
+          <a:off x="0" y="0"/>
+          <a:ext cx="0" cy="0"/>
+          <a:chOff x="0" y="0"/>
+          <a:chExt cx="0" cy="0"/>
+        </a:xfrm>
+      </p:grpSpPr>
+      <p:sp>
+        <p:nvSpPr>
+          <p:cNvPr id="2" name="Title 1"/>
+          <p:cNvSpPr>
+            <a:spLocks noGrp="1"/>
+          </p:cNvSpPr>
+          <p:nvPr>
+            <p:ph type="title"/>
+          </p:nvPr>
+        </p:nvSpPr>
+        <p:spPr/>
+        <p:txBody>
+          <a:bodyPr/>
+          <a:lstStyle/>
+          <a:p>
+            <a:r>
+              <a:rPr lang="en-US" dirty="0" smtClean="0"/>
+              <a:t>File System</a:t>
+            </a:r>
+            <a:endParaRPr lang="en-US" dirty="0"/>
+          </a:p>
+        </p:txBody>
+      </p:sp>
+      <p:sp>
+        <p:nvSpPr>
+          <p:cNvPr id="3" name="Content Placeholder 2"/>
+          <p:cNvSpPr>
+            <a:spLocks noGrp="1"/>
+          </p:cNvSpPr>
+          <p:nvPr>
+            <p:ph idx="1"/>
+          </p:nvPr>
+        </p:nvSpPr>
+        <p:spPr/>
+        <p:txBody>
+          <a:bodyPr>
+            <a:normAutofit lnSpcReduction="10000"/>
+          </a:bodyPr>
+          <a:lstStyle/>
+          <a:p>
+            <a:r>
+              <a:rPr lang="en-US" dirty="0" smtClean="0"/>
+              <a:t>Everything is a file</a:t>
+            </a:r>
+          </a:p>
+          <a:p>
+            <a:pPr lvl="1"/>
+            <a:r>
+              <a:rPr lang="en-US" dirty="0" err="1" smtClean="0"/>
+              <a:t>Inode</a:t>
+            </a:r>
+            <a:r>
+              <a:rPr lang="en-US" dirty="0" smtClean="0"/>
+              <a:t> </a:t>
+            </a:r>
+            <a:r>
+              <a:rPr lang="en-US" dirty="0" err="1" smtClean="0"/>
+              <a:t>Vs</a:t>
+            </a:r>
+            <a:r>
+              <a:rPr lang="en-US" dirty="0" smtClean="0"/>
+              <a:t> NTFS</a:t>
+            </a:r>
+          </a:p>
+          <a:p>
+            <a:pPr lvl="1"/>
+            <a:r>
+              <a:rPr lang="en-US" dirty="0" smtClean="0"/>
+              <a:t>Rename/delete file while its open</a:t>
+            </a:r>
+          </a:p>
+          <a:p>
+            <a:pPr lvl="2"/>
+            <a:r>
+              <a:rPr lang="en-US" dirty="0" smtClean="0"/>
+              <a:t>Default in </a:t>
+            </a:r>
+            <a:r>
+              <a:rPr lang="en-US" dirty="0" err="1" smtClean="0"/>
+              <a:t>linux</a:t>
+            </a:r>
+            <a:endParaRPr lang="en-US" dirty="0" smtClean="0"/>
+          </a:p>
+          <a:p>
+            <a:pPr lvl="2"/>
+            <a:r>
+              <a:rPr lang="en-US" dirty="0" smtClean="0"/>
+              <a:t>NTFS Support : C library </a:t>
+            </a:r>
+            <a:r>
+              <a:rPr lang="en-US" dirty="0" err="1" smtClean="0"/>
+              <a:t>fopen</a:t>
+            </a:r>
+            <a:r>
+              <a:rPr lang="en-US" dirty="0" smtClean="0"/>
+              <a:t> FILE_SHARE_DELETE</a:t>
+            </a:r>
+          </a:p>
+          <a:p>
+            <a:r>
+              <a:rPr lang="en-US" dirty="0" smtClean="0"/>
+              <a:t>Boot Process directory sort </a:t>
+            </a:r>
+          </a:p>
+          <a:p>
+            <a:r>
+              <a:rPr lang="en-US" dirty="0" smtClean="0"/>
+              <a:t>Merged program / documentation directories </a:t>
+            </a:r>
+          </a:p>
+          <a:p>
+            <a:pPr lvl="1"/>
+            <a:r>
+              <a:rPr lang="en-US" dirty="0" smtClean="0"/>
+              <a:t>No per application space for files</a:t>
+            </a:r>
+          </a:p>
+          <a:p>
+            <a:r>
+              <a:rPr lang="en-US" dirty="0" smtClean="0"/>
+              <a:t>Transparent network file system access</a:t>
+            </a:r>
+            <a:endParaRPr lang="en-US" dirty="0"/>
+          </a:p>
+        </p:txBody>
+      </p:sp>
+    </p:spTree>
+    <p:extLst>
+      <p:ext uri="{BB962C8B-B14F-4D97-AF65-F5344CB8AC3E}">
+        <p14:creationId xmlns:p14="http://schemas.microsoft.com/office/powerpoint/2010/main" val="358379635"/>
+      </p:ext>
+    </p:extLst>
+  </p:cSld>
+  <p:clrMapOvr>
+    <a:masterClrMapping/>
+  </p:clrMapOvr>
+  <p:timing>
+    <p:tnLst>
+      <p:par>
+        <p:cTn xmlns:p14="http://schemas.microsoft.com/office/powerpoint/2010/main" id="1" dur="indefinite" restart="never" nodeType="tmRoot"/>
       </p:par>
     </p:tnLst>
   </p:timing>
